--- a/src/draft/dmfissues/ImportPOfromPDFUsingAI_Denis_2025_11_05.pptx
+++ b/src/draft/dmfissues/ImportPOfromPDFUsingAI_Denis_2025_11_05.pptx
@@ -9,15 +9,15 @@
   </p:handoutMasterIdLst>
   <p:sldIdLst>
     <p:sldId id="266" r:id="rId5"/>
-    <p:sldId id="267" r:id="rId6"/>
-    <p:sldId id="272" r:id="rId7"/>
-    <p:sldId id="268" r:id="rId8"/>
-    <p:sldId id="271" r:id="rId9"/>
-    <p:sldId id="269" r:id="rId10"/>
-    <p:sldId id="274" r:id="rId11"/>
-    <p:sldId id="275" r:id="rId12"/>
-    <p:sldId id="276" r:id="rId13"/>
-    <p:sldId id="277" r:id="rId14"/>
+    <p:sldId id="268" r:id="rId6"/>
+    <p:sldId id="269" r:id="rId7"/>
+    <p:sldId id="267" r:id="rId8"/>
+    <p:sldId id="272" r:id="rId9"/>
+    <p:sldId id="274" r:id="rId10"/>
+    <p:sldId id="275" r:id="rId11"/>
+    <p:sldId id="276" r:id="rId12"/>
+    <p:sldId id="277" r:id="rId13"/>
+    <p:sldId id="271" r:id="rId14"/>
     <p:sldId id="273" r:id="rId15"/>
   </p:sldIdLst>
   <p:sldSz cx="12192000" cy="6858000"/>
@@ -230,7 +230,7 @@
           <a:p>
             <a:fld id="{4D373DFE-FC81-1F4E-BCB7-DF8EC2A052BE}" type="datetimeFigureOut">
               <a:rPr lang="en-US" smtClean="0"/>
-              <a:t>11/3/2025</a:t>
+              <a:t>11/4/2025</a:t>
             </a:fld>
             <a:endParaRPr lang="en-US"/>
           </a:p>
@@ -11373,7 +11373,7 @@
           <a:p>
             <a:fld id="{1902B5D9-4FE5-4B46-9656-E11353272EBD}" type="datetimeFigureOut">
               <a:rPr lang="en-US" smtClean="0"/>
-              <a:t>11/3/2025</a:t>
+              <a:t>11/4/2025</a:t>
             </a:fld>
             <a:endParaRPr lang="en-US"/>
           </a:p>
@@ -11571,7 +11571,7 @@
           <a:p>
             <a:fld id="{1902B5D9-4FE5-4B46-9656-E11353272EBD}" type="datetimeFigureOut">
               <a:rPr lang="en-US" smtClean="0"/>
-              <a:t>11/3/2025</a:t>
+              <a:t>11/4/2025</a:t>
             </a:fld>
             <a:endParaRPr lang="en-US"/>
           </a:p>
@@ -11846,7 +11846,7 @@
           <a:p>
             <a:fld id="{1902B5D9-4FE5-4B46-9656-E11353272EBD}" type="datetimeFigureOut">
               <a:rPr lang="en-US" smtClean="0"/>
-              <a:t>11/3/2025</a:t>
+              <a:t>11/4/2025</a:t>
             </a:fld>
             <a:endParaRPr lang="en-US"/>
           </a:p>
@@ -12111,7 +12111,7 @@
           <a:p>
             <a:fld id="{1902B5D9-4FE5-4B46-9656-E11353272EBD}" type="datetimeFigureOut">
               <a:rPr lang="en-US" smtClean="0"/>
-              <a:t>11/3/2025</a:t>
+              <a:t>11/4/2025</a:t>
             </a:fld>
             <a:endParaRPr lang="en-US"/>
           </a:p>
@@ -12523,7 +12523,7 @@
           <a:p>
             <a:fld id="{1902B5D9-4FE5-4B46-9656-E11353272EBD}" type="datetimeFigureOut">
               <a:rPr lang="en-US" smtClean="0"/>
-              <a:t>11/3/2025</a:t>
+              <a:t>11/4/2025</a:t>
             </a:fld>
             <a:endParaRPr lang="en-US"/>
           </a:p>
@@ -12664,7 +12664,7 @@
           <a:p>
             <a:fld id="{1902B5D9-4FE5-4B46-9656-E11353272EBD}" type="datetimeFigureOut">
               <a:rPr lang="en-US" smtClean="0"/>
-              <a:t>11/3/2025</a:t>
+              <a:t>11/4/2025</a:t>
             </a:fld>
             <a:endParaRPr lang="en-US"/>
           </a:p>
@@ -12777,7 +12777,7 @@
           <a:p>
             <a:fld id="{1902B5D9-4FE5-4B46-9656-E11353272EBD}" type="datetimeFigureOut">
               <a:rPr lang="en-US" smtClean="0"/>
-              <a:t>11/3/2025</a:t>
+              <a:t>11/4/2025</a:t>
             </a:fld>
             <a:endParaRPr lang="en-US"/>
           </a:p>
@@ -13088,7 +13088,7 @@
           <a:p>
             <a:fld id="{1902B5D9-4FE5-4B46-9656-E11353272EBD}" type="datetimeFigureOut">
               <a:rPr lang="en-US" smtClean="0"/>
-              <a:t>11/3/2025</a:t>
+              <a:t>11/4/2025</a:t>
             </a:fld>
             <a:endParaRPr lang="en-US"/>
           </a:p>
@@ -13376,7 +13376,7 @@
           <a:p>
             <a:fld id="{1902B5D9-4FE5-4B46-9656-E11353272EBD}" type="datetimeFigureOut">
               <a:rPr lang="en-US" smtClean="0"/>
-              <a:t>11/3/2025</a:t>
+              <a:t>11/4/2025</a:t>
             </a:fld>
             <a:endParaRPr lang="en-US"/>
           </a:p>
@@ -14060,7 +14060,7 @@
           <a:p>
             <a:fld id="{1902B5D9-4FE5-4B46-9656-E11353272EBD}" type="datetimeFigureOut">
               <a:rPr lang="en-US" smtClean="0"/>
-              <a:t>11/3/2025</a:t>
+              <a:t>11/4/2025</a:t>
             </a:fld>
             <a:endParaRPr lang="en-US"/>
           </a:p>
@@ -14268,7 +14268,7 @@
           <a:p>
             <a:fld id="{1902B5D9-4FE5-4B46-9656-E11353272EBD}" type="datetimeFigureOut">
               <a:rPr lang="en-US" smtClean="0"/>
-              <a:t>11/3/2025</a:t>
+              <a:t>11/4/2025</a:t>
             </a:fld>
             <a:endParaRPr lang="en-US"/>
           </a:p>
@@ -16835,7 +16835,7 @@
           <a:p>
             <a:fld id="{1902B5D9-4FE5-4B46-9656-E11353272EBD}" type="datetimeFigureOut">
               <a:rPr lang="en-US" smtClean="0"/>
-              <a:t>11/3/2025</a:t>
+              <a:t>11/4/2025</a:t>
             </a:fld>
             <a:endParaRPr lang="en-US"/>
           </a:p>
@@ -17310,7 +17310,7 @@
           <a:p>
             <a:r>
               <a:rPr lang="en-US" dirty="0"/>
-              <a:t>Import Data from PDF to D365FO using AI</a:t>
+              <a:t>Project story: Use AI to Import Data from PDF to D365FO</a:t>
             </a:r>
           </a:p>
         </p:txBody>
@@ -17333,8 +17333,8 @@
         </p:nvSpPr>
         <p:spPr>
           <a:xfrm>
-            <a:off x="8259785" y="5258095"/>
-            <a:ext cx="3380836" cy="897848"/>
+            <a:off x="7655065" y="5258095"/>
+            <a:ext cx="3985556" cy="897848"/>
           </a:xfrm>
         </p:spPr>
         <p:txBody>
@@ -17352,8 +17352,8 @@
           <a:p>
             <a:pPr algn="l"/>
             <a:r>
-              <a:rPr lang="en-US" sz="1800" dirty="0"/>
-              <a:t>X++ developer</a:t>
+              <a:rPr lang="en-US" sz="1600" dirty="0"/>
+              <a:t>Technical Architect, Sonata Software </a:t>
             </a:r>
           </a:p>
         </p:txBody>
@@ -17376,13 +17376,7 @@
   <p:cSld>
     <p:spTree>
       <p:nvGrpSpPr>
-        <p:cNvPr id="1" name="">
-          <a:extLst>
-            <a:ext uri="{FF2B5EF4-FFF2-40B4-BE49-F238E27FC236}">
-              <a16:creationId xmlns:a16="http://schemas.microsoft.com/office/drawing/2014/main" id="{AC22E546-9D52-AD1A-7215-8EAFF0473C95}"/>
-            </a:ext>
-          </a:extLst>
-        </p:cNvPr>
+        <p:cNvPr id="1" name=""/>
         <p:cNvGrpSpPr/>
         <p:nvPr/>
       </p:nvGrpSpPr>
@@ -17396,10 +17390,123 @@
       </p:grpSpPr>
       <p:sp>
         <p:nvSpPr>
-          <p:cNvPr id="2" name="Title 1">
-            <a:extLst>
-              <a:ext uri="{FF2B5EF4-FFF2-40B4-BE49-F238E27FC236}">
-                <a16:creationId xmlns:a16="http://schemas.microsoft.com/office/drawing/2014/main" id="{466D66A2-C2BA-FA6B-6756-F0D3AA2E527F}"/>
+          <p:cNvPr id="2" name="Content Placeholder 1">
+            <a:extLst>
+              <a:ext uri="{FF2B5EF4-FFF2-40B4-BE49-F238E27FC236}">
+                <a16:creationId xmlns:a16="http://schemas.microsoft.com/office/drawing/2014/main" id="{FFC91B3F-2B59-10FD-CF43-8530E8523417}"/>
+              </a:ext>
+            </a:extLst>
+          </p:cNvPr>
+          <p:cNvSpPr>
+            <a:spLocks noGrp="1"/>
+          </p:cNvSpPr>
+          <p:nvPr>
+            <p:ph idx="10"/>
+          </p:nvPr>
+        </p:nvSpPr>
+        <p:spPr>
+          <a:xfrm>
+            <a:off x="838200" y="1882740"/>
+            <a:ext cx="10515600" cy="3994077"/>
+          </a:xfrm>
+        </p:spPr>
+        <p:txBody>
+          <a:bodyPr>
+            <a:normAutofit lnSpcReduction="10000"/>
+          </a:bodyPr>
+          <a:lstStyle/>
+          <a:p>
+            <a:r>
+              <a:rPr lang="en-US" b="1" dirty="0">
+                <a:solidFill>
+                  <a:srgbClr val="9C3C9A"/>
+                </a:solidFill>
+              </a:rPr>
+              <a:t>Speed</a:t>
+            </a:r>
+            <a:r>
+              <a:rPr lang="en-US" dirty="0">
+                <a:solidFill>
+                  <a:srgbClr val="9C3C9A"/>
+                </a:solidFill>
+              </a:rPr>
+              <a:t>. </a:t>
+            </a:r>
+          </a:p>
+          <a:p>
+            <a:pPr marL="0" indent="0">
+              <a:buNone/>
+            </a:pPr>
+            <a:r>
+              <a:rPr lang="en-US" sz="2000" dirty="0"/>
+              <a:t>Top models are currently too slow to process documents. Best results achieved with Google Gemini 2.5 Flash, about 2 minutes per 5-page invoice</a:t>
+            </a:r>
+          </a:p>
+          <a:p>
+            <a:r>
+              <a:rPr lang="en-US" b="1" dirty="0">
+                <a:solidFill>
+                  <a:srgbClr val="9C3C9A"/>
+                </a:solidFill>
+              </a:rPr>
+              <a:t>Accuracy</a:t>
+            </a:r>
+          </a:p>
+          <a:p>
+            <a:pPr marL="0" indent="0">
+              <a:buNone/>
+            </a:pPr>
+            <a:r>
+              <a:rPr lang="en-US" sz="2000" dirty="0"/>
+              <a:t>Models may work perfectly on small files, but start producing wrong results on large datasets. Very sensitive to prompt structure</a:t>
+            </a:r>
+          </a:p>
+          <a:p>
+            <a:r>
+              <a:rPr lang="en-US" b="1" dirty="0">
+                <a:solidFill>
+                  <a:srgbClr val="9C3C9A"/>
+                </a:solidFill>
+              </a:rPr>
+              <a:t>Results Validation</a:t>
+            </a:r>
+          </a:p>
+          <a:p>
+            <a:pPr marL="0" indent="0">
+              <a:buNone/>
+            </a:pPr>
+            <a:r>
+              <a:rPr lang="en-US" sz="2000" dirty="0"/>
+              <a:t>Need to build automatic result validation from the start</a:t>
+            </a:r>
+          </a:p>
+          <a:p>
+            <a:r>
+              <a:rPr lang="en-US" b="1" dirty="0">
+                <a:solidFill>
+                  <a:srgbClr val="9C3C9A"/>
+                </a:solidFill>
+              </a:rPr>
+              <a:t>Price</a:t>
+            </a:r>
+          </a:p>
+          <a:p>
+            <a:pPr marL="0" indent="0">
+              <a:buNone/>
+            </a:pPr>
+            <a:r>
+              <a:rPr lang="en-US" sz="2000" dirty="0"/>
+              <a:t>5-page document is about 10k-15k tokens, so ~1 cent per document </a:t>
+            </a:r>
+          </a:p>
+        </p:txBody>
+      </p:sp>
+      <p:sp>
+        <p:nvSpPr>
+          <p:cNvPr id="5" name="Title 4">
+            <a:extLst>
+              <a:ext uri="{FF2B5EF4-FFF2-40B4-BE49-F238E27FC236}">
+                <a16:creationId xmlns:a16="http://schemas.microsoft.com/office/drawing/2014/main" id="{94C507B1-59E6-EBB4-785B-B7C44D4EDFA4}"/>
               </a:ext>
             </a:extLst>
           </p:cNvPr>
@@ -17412,82 +17519,20 @@
         </p:nvSpPr>
         <p:spPr/>
         <p:txBody>
-          <a:bodyPr>
-            <a:normAutofit fontScale="90000"/>
-          </a:bodyPr>
+          <a:bodyPr/>
           <a:lstStyle/>
           <a:p>
             <a:r>
               <a:rPr lang="en-US" dirty="0"/>
-              <a:t>4.Validate and process results</a:t>
-            </a:r>
-          </a:p>
-        </p:txBody>
-      </p:sp>
-      <p:pic>
-        <p:nvPicPr>
-          <p:cNvPr id="5" name="Picture 4" descr="A screenshot of a computer&#10;&#10;AI-generated content may be incorrect.">
-            <a:extLst>
-              <a:ext uri="{FF2B5EF4-FFF2-40B4-BE49-F238E27FC236}">
-                <a16:creationId xmlns:a16="http://schemas.microsoft.com/office/drawing/2014/main" id="{8645D879-38A0-63A7-0B01-C232B9E91583}"/>
-              </a:ext>
-            </a:extLst>
-          </p:cNvPr>
-          <p:cNvPicPr>
-            <a:picLocks noChangeAspect="1"/>
-          </p:cNvPicPr>
-          <p:nvPr/>
-        </p:nvPicPr>
-        <p:blipFill>
-          <a:blip r:embed="rId2"/>
-          <a:stretch>
-            <a:fillRect/>
-          </a:stretch>
-        </p:blipFill>
-        <p:spPr>
-          <a:xfrm>
-            <a:off x="838200" y="1568352"/>
-            <a:ext cx="6741160" cy="4561143"/>
-          </a:xfrm>
-          <a:prstGeom prst="rect">
-            <a:avLst/>
-          </a:prstGeom>
-        </p:spPr>
-      </p:pic>
-      <p:pic>
-        <p:nvPicPr>
-          <p:cNvPr id="8" name="Picture 7" descr="A screenshot of a computer&#10;&#10;AI-generated content may be incorrect.">
-            <a:extLst>
-              <a:ext uri="{FF2B5EF4-FFF2-40B4-BE49-F238E27FC236}">
-                <a16:creationId xmlns:a16="http://schemas.microsoft.com/office/drawing/2014/main" id="{22BBACF7-EF67-677B-8AEC-13186636D1A6}"/>
-              </a:ext>
-            </a:extLst>
-          </p:cNvPr>
-          <p:cNvPicPr>
-            <a:picLocks noChangeAspect="1"/>
-          </p:cNvPicPr>
-          <p:nvPr/>
-        </p:nvPicPr>
-        <p:blipFill>
-          <a:blip r:embed="rId3"/>
-          <a:stretch>
-            <a:fillRect/>
-          </a:stretch>
-        </p:blipFill>
-        <p:spPr>
-          <a:xfrm>
-            <a:off x="7579360" y="2615017"/>
-            <a:ext cx="4128935" cy="2266350"/>
-          </a:xfrm>
-          <a:prstGeom prst="rect">
-            <a:avLst/>
-          </a:prstGeom>
-        </p:spPr>
-      </p:pic>
+              <a:t>AI usage challenges</a:t>
+            </a:r>
+          </a:p>
+        </p:txBody>
+      </p:sp>
     </p:spTree>
     <p:extLst>
       <p:ext uri="{BB962C8B-B14F-4D97-AF65-F5344CB8AC3E}">
-        <p14:creationId xmlns:p14="http://schemas.microsoft.com/office/powerpoint/2010/main" val="2966113262"/>
+        <p14:creationId xmlns:p14="http://schemas.microsoft.com/office/powerpoint/2010/main" val="2469392671"/>
       </p:ext>
     </p:extLst>
   </p:cSld>
@@ -17681,7 +17726,7 @@
           <p:cNvPr id="2" name="Title 1">
             <a:extLst>
               <a:ext uri="{FF2B5EF4-FFF2-40B4-BE49-F238E27FC236}">
-                <a16:creationId xmlns:a16="http://schemas.microsoft.com/office/drawing/2014/main" id="{64FF932F-B33C-33E7-5F47-1142B6332956}"/>
+                <a16:creationId xmlns:a16="http://schemas.microsoft.com/office/drawing/2014/main" id="{D12B8BD2-D3D1-07CB-9CC2-258961E3BF23}"/>
               </a:ext>
             </a:extLst>
           </p:cNvPr>
@@ -17692,46 +17737,92 @@
             <p:ph type="title"/>
           </p:nvPr>
         </p:nvSpPr>
-        <p:spPr>
-          <a:xfrm>
-            <a:off x="755122" y="368511"/>
-            <a:ext cx="10515600" cy="1439741"/>
+        <p:spPr/>
+        <p:txBody>
+          <a:bodyPr>
+            <a:normAutofit fontScale="90000"/>
+          </a:bodyPr>
+          <a:lstStyle/>
+          <a:p>
+            <a:r>
+              <a:rPr lang="en-US" dirty="0"/>
+              <a:t>Use case: Import complex PDF</a:t>
+            </a:r>
+          </a:p>
+        </p:txBody>
+      </p:sp>
+      <p:sp>
+        <p:nvSpPr>
+          <p:cNvPr id="3" name="Content Placeholder 2">
+            <a:extLst>
+              <a:ext uri="{FF2B5EF4-FFF2-40B4-BE49-F238E27FC236}">
+                <a16:creationId xmlns:a16="http://schemas.microsoft.com/office/drawing/2014/main" id="{9E4B55B4-2709-38A1-E8C5-0177E9E7A222}"/>
+              </a:ext>
+            </a:extLst>
+          </p:cNvPr>
+          <p:cNvSpPr>
+            <a:spLocks noGrp="1"/>
+          </p:cNvSpPr>
+          <p:nvPr>
+            <p:ph sz="half" idx="1"/>
+          </p:nvPr>
+        </p:nvSpPr>
+        <p:spPr>
+          <a:xfrm>
+            <a:off x="838199" y="1888379"/>
+            <a:ext cx="10155149" cy="680160"/>
           </a:xfrm>
         </p:spPr>
         <p:txBody>
           <a:bodyPr/>
           <a:lstStyle/>
           <a:p>
-            <a:r>
-              <a:rPr lang="en-US" sz="2800" dirty="0"/>
-              <a:t>External Integration module</a:t>
-            </a:r>
-            <a:br>
-              <a:rPr lang="en-US" sz="2400" dirty="0"/>
-            </a:br>
-            <a:br>
-              <a:rPr lang="en-US" sz="1000" dirty="0"/>
-            </a:br>
-            <a:r>
-              <a:rPr lang="en-US" sz="1400" b="0" dirty="0"/>
-              <a:t>Standardized approach for X++ based integrations</a:t>
-            </a:r>
-            <a:br>
-              <a:rPr lang="en-US" sz="1400" b="0" dirty="0"/>
-            </a:br>
-            <a:r>
-              <a:rPr lang="en-US" sz="1400" b="0" dirty="0"/>
-              <a:t>Free open-source framework to simplify integration development and support</a:t>
-            </a:r>
-          </a:p>
-        </p:txBody>
-      </p:sp>
-      <p:sp>
-        <p:nvSpPr>
-          <p:cNvPr id="4" name="Rectangle 3">
-            <a:extLst>
-              <a:ext uri="{FF2B5EF4-FFF2-40B4-BE49-F238E27FC236}">
-                <a16:creationId xmlns:a16="http://schemas.microsoft.com/office/drawing/2014/main" id="{18A2A541-3F2C-EB71-34F1-3A5EC41D9663}"/>
+            <a:pPr marL="0" indent="0">
+              <a:buNone/>
+            </a:pPr>
+            <a:r>
+              <a:rPr lang="en-US" b="1" dirty="0"/>
+              <a:t>Possible options:</a:t>
+            </a:r>
+          </a:p>
+        </p:txBody>
+      </p:sp>
+      <p:pic>
+        <p:nvPicPr>
+          <p:cNvPr id="5" name="Image 0" descr="preencoded.png">
+            <a:extLst>
+              <a:ext uri="{FF2B5EF4-FFF2-40B4-BE49-F238E27FC236}">
+                <a16:creationId xmlns:a16="http://schemas.microsoft.com/office/drawing/2014/main" id="{B8B19ED3-A8B1-482A-CCAA-C6A3E2831529}"/>
+              </a:ext>
+            </a:extLst>
+          </p:cNvPr>
+          <p:cNvPicPr>
+            <a:picLocks noChangeAspect="1"/>
+          </p:cNvPicPr>
+          <p:nvPr/>
+        </p:nvPicPr>
+        <p:blipFill>
+          <a:blip r:embed="rId2"/>
+          <a:stretch>
+            <a:fillRect/>
+          </a:stretch>
+        </p:blipFill>
+        <p:spPr>
+          <a:xfrm>
+            <a:off x="1043853" y="2552536"/>
+            <a:ext cx="228600" cy="228600"/>
+          </a:xfrm>
+          <a:prstGeom prst="rect">
+            <a:avLst/>
+          </a:prstGeom>
+        </p:spPr>
+      </p:pic>
+      <p:sp>
+        <p:nvSpPr>
+          <p:cNvPr id="6" name="Text 2">
+            <a:extLst>
+              <a:ext uri="{FF2B5EF4-FFF2-40B4-BE49-F238E27FC236}">
+                <a16:creationId xmlns:a16="http://schemas.microsoft.com/office/drawing/2014/main" id="{06603F5E-BFED-DBCA-D39C-2D3F2BB61E47}"/>
               </a:ext>
             </a:extLst>
           </p:cNvPr>
@@ -17740,153 +17831,156 @@
         </p:nvSpPr>
         <p:spPr>
           <a:xfrm>
-            <a:off x="940943" y="1944383"/>
-            <a:ext cx="4812585" cy="1633591"/>
+            <a:off x="1318173" y="2512529"/>
+            <a:ext cx="7969665" cy="274320"/>
           </a:xfrm>
           <a:prstGeom prst="rect">
             <a:avLst/>
           </a:prstGeom>
           <a:noFill/>
-          <a:ln w="12700" cap="rnd">
-            <a:solidFill>
-              <a:srgbClr val="000000"/>
-            </a:solidFill>
-            <a:round/>
-          </a:ln>
-          <a:effectLst/>
-        </p:spPr>
-        <p:style>
-          <a:lnRef idx="1">
-            <a:schemeClr val="accent1"/>
-          </a:lnRef>
-          <a:fillRef idx="3">
-            <a:schemeClr val="accent1"/>
-          </a:fillRef>
-          <a:effectRef idx="2">
-            <a:schemeClr val="accent1"/>
-          </a:effectRef>
-          <a:fontRef idx="minor">
-            <a:schemeClr val="lt1"/>
-          </a:fontRef>
-        </p:style>
-        <p:txBody>
-          <a:bodyPr wrap="square" rtlCol="0" anchor="t" anchorCtr="0"/>
+          <a:ln/>
+        </p:spPr>
+        <p:txBody>
+          <a:bodyPr wrap="square" rtlCol="0" anchor="ctr"/>
           <a:lstStyle/>
           <a:p>
-            <a:pPr algn="l"/>
-            <a:endParaRPr lang="en-US" sz="800" b="1" dirty="0">
-              <a:solidFill>
-                <a:srgbClr val="0066CC"/>
-              </a:solidFill>
-            </a:endParaRPr>
-          </a:p>
-          <a:p>
-            <a:pPr algn="l"/>
-            <a:r>
-              <a:rPr lang="en-US" dirty="0">
+            <a:pPr marL="0" indent="0">
+              <a:buNone/>
+            </a:pPr>
+            <a:r>
+              <a:rPr lang="en-US" sz="1600" b="1" dirty="0">
                 <a:solidFill>
-                  <a:srgbClr val="9C3C9A"/>
-                </a:solidFill>
-                <a:latin typeface="Open Sans ExtraBold" pitchFamily="2" charset="0"/>
-                <a:ea typeface="Open Sans ExtraBold" pitchFamily="2" charset="0"/>
-                <a:cs typeface="Open Sans ExtraBold" pitchFamily="2" charset="0"/>
-              </a:rPr>
-              <a:t>1. </a:t>
-            </a:r>
-            <a:r>
-              <a:rPr dirty="0">
-                <a:solidFill>
-                  <a:srgbClr val="9C3C9A"/>
-                </a:solidFill>
-                <a:latin typeface="Open Sans ExtraBold" pitchFamily="2" charset="0"/>
-                <a:ea typeface="Open Sans ExtraBold" pitchFamily="2" charset="0"/>
-                <a:cs typeface="Open Sans ExtraBold" pitchFamily="2" charset="0"/>
-              </a:rPr>
-              <a:t>Design</a:t>
-            </a:r>
-            <a:endParaRPr lang="en-US" dirty="0">
-              <a:solidFill>
-                <a:srgbClr val="9C3C9A"/>
-              </a:solidFill>
-              <a:latin typeface="Open Sans ExtraBold" pitchFamily="2" charset="0"/>
-              <a:ea typeface="Open Sans ExtraBold" pitchFamily="2" charset="0"/>
-              <a:cs typeface="Open Sans ExtraBold" pitchFamily="2" charset="0"/>
-            </a:endParaRPr>
-          </a:p>
-          <a:p>
-            <a:pPr algn="l"/>
-            <a:endParaRPr lang="en-US" sz="1600" b="1" dirty="0">
-              <a:solidFill>
-                <a:srgbClr val="0066CC"/>
-              </a:solidFill>
-            </a:endParaRPr>
-          </a:p>
-          <a:p>
-            <a:pPr algn="l"/>
-            <a:r>
-              <a:rPr lang="en-US" sz="1400" dirty="0">
-                <a:solidFill>
-                  <a:schemeClr val="tx1"/>
+                  <a:srgbClr val="030A18"/>
                 </a:solidFill>
               </a:rPr>
-              <a:t>Ready-to-use templates for integration planning:</a:t>
-            </a:r>
-          </a:p>
-          <a:p>
-            <a:pPr marL="285750" indent="-285750" algn="l">
-              <a:buFont typeface="Arial" panose="020B0604020202020204" pitchFamily="34" charset="0"/>
-              <a:buChar char="•"/>
-            </a:pPr>
-            <a:r>
-              <a:rPr lang="en-US" sz="1400" dirty="0">
+              <a:t>Online PDF to Excel converters</a:t>
+            </a:r>
+            <a:r>
+              <a:rPr lang="en-US" sz="1600" dirty="0">
                 <a:solidFill>
-                  <a:schemeClr val="tx1"/>
+                  <a:srgbClr val="030A18"/>
                 </a:solidFill>
               </a:rPr>
-              <a:t>Inbound, </a:t>
-            </a:r>
-          </a:p>
-          <a:p>
-            <a:pPr marL="285750" indent="-285750" algn="l">
-              <a:buFont typeface="Arial" panose="020B0604020202020204" pitchFamily="34" charset="0"/>
-              <a:buChar char="•"/>
+              <a:t>: can’t handle complex structure</a:t>
+            </a:r>
+          </a:p>
+        </p:txBody>
+      </p:sp>
+      <p:pic>
+        <p:nvPicPr>
+          <p:cNvPr id="7" name="Image 1" descr="preencoded.png">
+            <a:extLst>
+              <a:ext uri="{FF2B5EF4-FFF2-40B4-BE49-F238E27FC236}">
+                <a16:creationId xmlns:a16="http://schemas.microsoft.com/office/drawing/2014/main" id="{B68B6F81-673E-DAC2-2466-4ACBE21760AB}"/>
+              </a:ext>
+            </a:extLst>
+          </p:cNvPr>
+          <p:cNvPicPr>
+            <a:picLocks noChangeAspect="1"/>
+          </p:cNvPicPr>
+          <p:nvPr/>
+        </p:nvPicPr>
+        <p:blipFill>
+          <a:blip r:embed="rId2"/>
+          <a:stretch>
+            <a:fillRect/>
+          </a:stretch>
+        </p:blipFill>
+        <p:spPr>
+          <a:xfrm>
+            <a:off x="1043853" y="3076064"/>
+            <a:ext cx="228600" cy="228600"/>
+          </a:xfrm>
+          <a:prstGeom prst="rect">
+            <a:avLst/>
+          </a:prstGeom>
+        </p:spPr>
+      </p:pic>
+      <p:sp>
+        <p:nvSpPr>
+          <p:cNvPr id="8" name="Text 3">
+            <a:extLst>
+              <a:ext uri="{FF2B5EF4-FFF2-40B4-BE49-F238E27FC236}">
+                <a16:creationId xmlns:a16="http://schemas.microsoft.com/office/drawing/2014/main" id="{82272B72-0F09-0B9D-F234-36C183A2CAE2}"/>
+              </a:ext>
+            </a:extLst>
+          </p:cNvPr>
+          <p:cNvSpPr/>
+          <p:nvPr/>
+        </p:nvSpPr>
+        <p:spPr>
+          <a:xfrm>
+            <a:off x="1318173" y="2969729"/>
+            <a:ext cx="7661439" cy="441270"/>
+          </a:xfrm>
+          <a:prstGeom prst="rect">
+            <a:avLst/>
+          </a:prstGeom>
+          <a:noFill/>
+          <a:ln/>
+        </p:spPr>
+        <p:txBody>
+          <a:bodyPr wrap="square" rtlCol="0" anchor="ctr"/>
+          <a:lstStyle/>
+          <a:p>
+            <a:pPr marL="0" indent="0">
+              <a:buNone/>
             </a:pPr>
             <a:r>
-              <a:rPr lang="en-US" sz="1400" dirty="0">
+              <a:rPr lang="en-US" sz="1600" b="1" dirty="0">
                 <a:solidFill>
-                  <a:schemeClr val="tx1"/>
+                  <a:srgbClr val="030A18"/>
                 </a:solidFill>
               </a:rPr>
-              <a:t>Outbound Event-based, Outbound Periodic, </a:t>
-            </a:r>
-          </a:p>
-          <a:p>
-            <a:pPr marL="285750" indent="-285750" algn="l">
-              <a:buFont typeface="Arial" panose="020B0604020202020204" pitchFamily="34" charset="0"/>
-              <a:buChar char="•"/>
-            </a:pPr>
-            <a:r>
-              <a:rPr lang="en-US" sz="1400" dirty="0">
+              <a:t>Microsoft Invoice capture solution</a:t>
+            </a:r>
+            <a:r>
+              <a:rPr lang="en-US" sz="1600" dirty="0">
                 <a:solidFill>
-                  <a:schemeClr val="tx1"/>
+                  <a:srgbClr val="030A18"/>
                 </a:solidFill>
               </a:rPr>
-              <a:t>Service-based</a:t>
-            </a:r>
-            <a:endParaRPr sz="1400" dirty="0">
-              <a:solidFill>
-                <a:schemeClr val="tx1"/>
-              </a:solidFill>
-            </a:endParaRPr>
-          </a:p>
-        </p:txBody>
-      </p:sp>
-      <p:sp>
-        <p:nvSpPr>
-          <p:cNvPr id="8" name="Rectangle 7">
-            <a:extLst>
-              <a:ext uri="{FF2B5EF4-FFF2-40B4-BE49-F238E27FC236}">
-                <a16:creationId xmlns:a16="http://schemas.microsoft.com/office/drawing/2014/main" id="{A5ADE7F3-86AE-C701-F0EC-BC0AB59576B7}"/>
+              <a:t>: Complex setup(65 pages install guide), based on Microsoft AI Foundry Document Intelligence OCR, can’t handle custom documents   </a:t>
+            </a:r>
+          </a:p>
+        </p:txBody>
+      </p:sp>
+      <p:pic>
+        <p:nvPicPr>
+          <p:cNvPr id="9" name="Image 2" descr="preencoded.png">
+            <a:extLst>
+              <a:ext uri="{FF2B5EF4-FFF2-40B4-BE49-F238E27FC236}">
+                <a16:creationId xmlns:a16="http://schemas.microsoft.com/office/drawing/2014/main" id="{532AE0D8-8B1C-4196-524A-84FFA11937C1}"/>
+              </a:ext>
+            </a:extLst>
+          </p:cNvPr>
+          <p:cNvPicPr>
+            <a:picLocks noChangeAspect="1"/>
+          </p:cNvPicPr>
+          <p:nvPr/>
+        </p:nvPicPr>
+        <p:blipFill>
+          <a:blip r:embed="rId2"/>
+          <a:stretch>
+            <a:fillRect/>
+          </a:stretch>
+        </p:blipFill>
+        <p:spPr>
+          <a:xfrm>
+            <a:off x="1043854" y="3550517"/>
+            <a:ext cx="228600" cy="228600"/>
+          </a:xfrm>
+          <a:prstGeom prst="rect">
+            <a:avLst/>
+          </a:prstGeom>
+        </p:spPr>
+      </p:pic>
+      <p:sp>
+        <p:nvSpPr>
+          <p:cNvPr id="10" name="Text 4">
+            <a:extLst>
+              <a:ext uri="{FF2B5EF4-FFF2-40B4-BE49-F238E27FC236}">
+                <a16:creationId xmlns:a16="http://schemas.microsoft.com/office/drawing/2014/main" id="{E8A3FD5B-F12E-8C44-6796-3AFCB266E955}"/>
               </a:ext>
             </a:extLst>
           </p:cNvPr>
@@ -17895,98 +17989,64 @@
         </p:nvSpPr>
         <p:spPr>
           <a:xfrm>
-            <a:off x="6438472" y="1944383"/>
-            <a:ext cx="4812585" cy="1633591"/>
+            <a:off x="1318173" y="3550517"/>
+            <a:ext cx="9212837" cy="449268"/>
           </a:xfrm>
           <a:prstGeom prst="rect">
             <a:avLst/>
           </a:prstGeom>
           <a:noFill/>
-          <a:ln w="12700" cap="rnd">
-            <a:solidFill>
-              <a:srgbClr val="000000"/>
-            </a:solidFill>
-            <a:round/>
-          </a:ln>
-          <a:effectLst/>
-        </p:spPr>
-        <p:style>
-          <a:lnRef idx="1">
-            <a:schemeClr val="accent1"/>
-          </a:lnRef>
-          <a:fillRef idx="3">
-            <a:schemeClr val="accent1"/>
-          </a:fillRef>
-          <a:effectRef idx="2">
-            <a:schemeClr val="accent1"/>
-          </a:effectRef>
-          <a:fontRef idx="minor">
-            <a:schemeClr val="lt1"/>
-          </a:fontRef>
-        </p:style>
-        <p:txBody>
-          <a:bodyPr wrap="square" rtlCol="0" anchor="t" anchorCtr="0"/>
+          <a:ln/>
+        </p:spPr>
+        <p:txBody>
+          <a:bodyPr wrap="square" rtlCol="0" anchor="ctr"/>
           <a:lstStyle/>
           <a:p>
-            <a:pPr algn="l"/>
-            <a:endParaRPr lang="en-US" sz="800" b="1" dirty="0">
-              <a:solidFill>
-                <a:srgbClr val="0066CC"/>
-              </a:solidFill>
-            </a:endParaRPr>
-          </a:p>
-          <a:p>
-            <a:pPr algn="l"/>
-            <a:r>
-              <a:rPr lang="en-AU" dirty="0">
+            <a:pPr marL="0" indent="0">
+              <a:buNone/>
+            </a:pPr>
+            <a:r>
+              <a:rPr lang="en-US" sz="1600" b="1" dirty="0">
                 <a:solidFill>
-                  <a:srgbClr val="9C3C9A"/>
-                </a:solidFill>
-                <a:latin typeface="Open Sans ExtraBold" pitchFamily="2" charset="0"/>
-                <a:ea typeface="Open Sans ExtraBold" pitchFamily="2" charset="0"/>
-                <a:cs typeface="Open Sans ExtraBold" pitchFamily="2" charset="0"/>
-              </a:rPr>
-              <a:t>2. Load data</a:t>
-            </a:r>
-          </a:p>
-          <a:p>
-            <a:pPr algn="l"/>
-            <a:endParaRPr lang="en-US" sz="1400" dirty="0">
-              <a:solidFill>
-                <a:schemeClr val="tx1"/>
-              </a:solidFill>
-            </a:endParaRPr>
-          </a:p>
-          <a:p>
-            <a:pPr algn="l"/>
-            <a:r>
-              <a:rPr lang="en-US" sz="1400" dirty="0">
-                <a:solidFill>
-                  <a:schemeClr val="tx1"/>
+                  <a:srgbClr val="030A18"/>
                 </a:solidFill>
               </a:rPr>
-              <a:t>Connectors for: </a:t>
-            </a:r>
-          </a:p>
-          <a:p>
-            <a:pPr algn="l"/>
-            <a:r>
-              <a:rPr lang="en-US" sz="1400" dirty="0">
+              <a:t>Power App Sales Order Agent</a:t>
+            </a:r>
+            <a:r>
+              <a:rPr lang="en-US" sz="1600" dirty="0">
                 <a:solidFill>
-                  <a:schemeClr val="tx1"/>
+                  <a:srgbClr val="030A18"/>
                 </a:solidFill>
               </a:rPr>
-              <a:t>Service Bus, SFTP, Azure File share, Rest API, AI (LLM), Manual</a:t>
-            </a:r>
-          </a:p>
-        </p:txBody>
-      </p:sp>
-      <p:sp>
-        <p:nvSpPr>
-          <p:cNvPr id="9" name="Rectangle 8">
-            <a:extLst>
-              <a:ext uri="{FF2B5EF4-FFF2-40B4-BE49-F238E27FC236}">
-                <a16:creationId xmlns:a16="http://schemas.microsoft.com/office/drawing/2014/main" id="{4E0C847E-FE49-0275-5412-D755A0F898DC}"/>
+              <a:t>: A separate Power App that reads the document and creates records via </a:t>
+            </a:r>
+            <a:r>
+              <a:rPr lang="en-US" sz="1600" dirty="0" err="1">
+                <a:solidFill>
+                  <a:srgbClr val="030A18"/>
+                </a:solidFill>
+              </a:rPr>
+              <a:t>Odata</a:t>
+            </a:r>
+            <a:r>
+              <a:rPr lang="en-US" sz="1600" dirty="0">
+                <a:solidFill>
+                  <a:srgbClr val="030A18"/>
+                </a:solidFill>
+              </a:rPr>
+              <a:t> calls. Hard to customize with integration involved </a:t>
+            </a:r>
+            <a:endParaRPr lang="en-US" sz="1600" dirty="0"/>
+          </a:p>
+        </p:txBody>
+      </p:sp>
+      <p:sp>
+        <p:nvSpPr>
+          <p:cNvPr id="13" name="Text 6">
+            <a:extLst>
+              <a:ext uri="{FF2B5EF4-FFF2-40B4-BE49-F238E27FC236}">
+                <a16:creationId xmlns:a16="http://schemas.microsoft.com/office/drawing/2014/main" id="{F59A06D7-EE85-3564-EF83-4CDFED192607}"/>
               </a:ext>
             </a:extLst>
           </p:cNvPr>
@@ -17995,199 +18055,110 @@
         </p:nvSpPr>
         <p:spPr>
           <a:xfrm>
-            <a:off x="949921" y="3863082"/>
-            <a:ext cx="4812585" cy="1633591"/>
+            <a:off x="954980" y="4268465"/>
+            <a:ext cx="8387822" cy="274320"/>
           </a:xfrm>
           <a:prstGeom prst="rect">
             <a:avLst/>
           </a:prstGeom>
           <a:noFill/>
-          <a:ln w="12700" cap="rnd">
-            <a:solidFill>
-              <a:srgbClr val="000000"/>
-            </a:solidFill>
-            <a:round/>
-          </a:ln>
-          <a:effectLst/>
-        </p:spPr>
-        <p:style>
-          <a:lnRef idx="1">
-            <a:schemeClr val="accent1"/>
-          </a:lnRef>
-          <a:fillRef idx="3">
-            <a:schemeClr val="accent1"/>
-          </a:fillRef>
-          <a:effectRef idx="2">
-            <a:schemeClr val="accent1"/>
-          </a:effectRef>
-          <a:fontRef idx="minor">
-            <a:schemeClr val="lt1"/>
-          </a:fontRef>
-        </p:style>
-        <p:txBody>
-          <a:bodyPr wrap="square" rtlCol="0" anchor="t" anchorCtr="0"/>
+          <a:ln/>
+        </p:spPr>
+        <p:txBody>
+          <a:bodyPr wrap="square" rtlCol="0" anchor="ctr"/>
           <a:lstStyle/>
           <a:p>
-            <a:pPr algn="l"/>
-            <a:endParaRPr lang="en-US" sz="800" b="1" dirty="0">
-              <a:solidFill>
-                <a:srgbClr val="0066CC"/>
-              </a:solidFill>
-            </a:endParaRPr>
-          </a:p>
-          <a:p>
-            <a:pPr algn="l"/>
-            <a:r>
-              <a:rPr lang="en-AU" dirty="0">
+            <a:pPr marL="0" indent="0">
+              <a:buNone/>
+            </a:pPr>
+            <a:r>
+              <a:rPr lang="en-US" sz="2800" b="1" dirty="0">
                 <a:solidFill>
-                  <a:srgbClr val="9C3C9A"/>
-                </a:solidFill>
-                <a:latin typeface="Open Sans ExtraBold" pitchFamily="2" charset="0"/>
-                <a:ea typeface="Open Sans ExtraBold" pitchFamily="2" charset="0"/>
-                <a:cs typeface="Open Sans ExtraBold" pitchFamily="2" charset="0"/>
-              </a:rPr>
-              <a:t>3. Process data</a:t>
-            </a:r>
-          </a:p>
-          <a:p>
-            <a:pPr algn="l"/>
-            <a:endParaRPr lang="en-US" sz="1400" dirty="0">
-              <a:solidFill>
-                <a:schemeClr val="tx1"/>
-              </a:solidFill>
-            </a:endParaRPr>
-          </a:p>
-          <a:p>
-            <a:pPr algn="l"/>
-            <a:r>
-              <a:rPr lang="en-US" sz="1400" dirty="0">
-                <a:solidFill>
-                  <a:schemeClr val="tx1"/>
+                  <a:srgbClr val="030A18"/>
                 </a:solidFill>
               </a:rPr>
-              <a:t>Import documents from: CSV, Excel, XML, JSON &amp; PDF</a:t>
-            </a:r>
-          </a:p>
-          <a:p>
-            <a:pPr algn="l"/>
-            <a:r>
-              <a:rPr lang="en-US" sz="1400" dirty="0">
+              <a:t>External Integration Framework</a:t>
+            </a:r>
+            <a:endParaRPr lang="en-US" sz="2800" dirty="0"/>
+          </a:p>
+        </p:txBody>
+      </p:sp>
+      <p:pic>
+        <p:nvPicPr>
+          <p:cNvPr id="14" name="Image 4" descr="preencoded.png">
+            <a:extLst>
+              <a:ext uri="{FF2B5EF4-FFF2-40B4-BE49-F238E27FC236}">
+                <a16:creationId xmlns:a16="http://schemas.microsoft.com/office/drawing/2014/main" id="{982327BE-C96F-0FAB-70A0-F63423AEDF42}"/>
+              </a:ext>
+            </a:extLst>
+          </p:cNvPr>
+          <p:cNvPicPr>
+            <a:picLocks noChangeAspect="1"/>
+          </p:cNvPicPr>
+          <p:nvPr/>
+        </p:nvPicPr>
+        <p:blipFill>
+          <a:blip r:embed="rId3"/>
+          <a:stretch>
+            <a:fillRect/>
+          </a:stretch>
+        </p:blipFill>
+        <p:spPr>
+          <a:xfrm>
+            <a:off x="1043853" y="4761095"/>
+            <a:ext cx="228600" cy="228600"/>
+          </a:xfrm>
+          <a:prstGeom prst="rect">
+            <a:avLst/>
+          </a:prstGeom>
+        </p:spPr>
+      </p:pic>
+      <p:sp>
+        <p:nvSpPr>
+          <p:cNvPr id="15" name="Text 7">
+            <a:extLst>
+              <a:ext uri="{FF2B5EF4-FFF2-40B4-BE49-F238E27FC236}">
+                <a16:creationId xmlns:a16="http://schemas.microsoft.com/office/drawing/2014/main" id="{7222136E-A1C8-91C1-E45A-D77216167383}"/>
+              </a:ext>
+            </a:extLst>
+          </p:cNvPr>
+          <p:cNvSpPr/>
+          <p:nvPr/>
+        </p:nvSpPr>
+        <p:spPr>
+          <a:xfrm>
+            <a:off x="1318173" y="4761095"/>
+            <a:ext cx="8387822" cy="274320"/>
+          </a:xfrm>
+          <a:prstGeom prst="rect">
+            <a:avLst/>
+          </a:prstGeom>
+          <a:noFill/>
+          <a:ln/>
+        </p:spPr>
+        <p:txBody>
+          <a:bodyPr wrap="square" rtlCol="0" anchor="ctr"/>
+          <a:lstStyle/>
+          <a:p>
+            <a:pPr marL="0" indent="0">
+              <a:buNone/>
+            </a:pPr>
+            <a:r>
+              <a:rPr lang="en-US" sz="1600" dirty="0">
                 <a:solidFill>
-                  <a:schemeClr val="tx1"/>
+                  <a:srgbClr val="030A18"/>
                 </a:solidFill>
               </a:rPr>
-              <a:t>Sample implementations for: Sales lines, Ledger journals, Purchase lines, Vendors</a:t>
-            </a:r>
-          </a:p>
-        </p:txBody>
-      </p:sp>
-      <p:sp>
-        <p:nvSpPr>
-          <p:cNvPr id="10" name="Rectangle 9">
-            <a:extLst>
-              <a:ext uri="{FF2B5EF4-FFF2-40B4-BE49-F238E27FC236}">
-                <a16:creationId xmlns:a16="http://schemas.microsoft.com/office/drawing/2014/main" id="{883EFA88-C5B4-CA19-7AA3-4512206E6FFE}"/>
-              </a:ext>
-            </a:extLst>
-          </p:cNvPr>
-          <p:cNvSpPr/>
-          <p:nvPr/>
-        </p:nvSpPr>
-        <p:spPr>
-          <a:xfrm>
-            <a:off x="6438472" y="3863082"/>
-            <a:ext cx="4812585" cy="1633591"/>
-          </a:xfrm>
-          <a:prstGeom prst="rect">
-            <a:avLst/>
-          </a:prstGeom>
-          <a:noFill/>
-          <a:ln w="12700" cap="rnd">
-            <a:solidFill>
-              <a:srgbClr val="000000"/>
-            </a:solidFill>
-            <a:round/>
-          </a:ln>
-          <a:effectLst/>
-        </p:spPr>
-        <p:style>
-          <a:lnRef idx="1">
-            <a:schemeClr val="accent1"/>
-          </a:lnRef>
-          <a:fillRef idx="3">
-            <a:schemeClr val="accent1"/>
-          </a:fillRef>
-          <a:effectRef idx="2">
-            <a:schemeClr val="accent1"/>
-          </a:effectRef>
-          <a:fontRef idx="minor">
-            <a:schemeClr val="lt1"/>
-          </a:fontRef>
-        </p:style>
-        <p:txBody>
-          <a:bodyPr wrap="square" rtlCol="0" anchor="t" anchorCtr="0"/>
-          <a:lstStyle/>
-          <a:p>
-            <a:pPr algn="l"/>
-            <a:endParaRPr lang="en-US" sz="800" b="1" dirty="0">
-              <a:solidFill>
-                <a:srgbClr val="0066CC"/>
-              </a:solidFill>
-            </a:endParaRPr>
-          </a:p>
-          <a:p>
-            <a:pPr algn="l"/>
-            <a:r>
-              <a:rPr lang="en-AU" dirty="0">
-                <a:solidFill>
-                  <a:srgbClr val="9C3C9A"/>
-                </a:solidFill>
-                <a:latin typeface="Open Sans ExtraBold" pitchFamily="2" charset="0"/>
-                <a:ea typeface="Open Sans ExtraBold" pitchFamily="2" charset="0"/>
-                <a:cs typeface="Open Sans ExtraBold" pitchFamily="2" charset="0"/>
-              </a:rPr>
-              <a:t>4. Test</a:t>
-            </a:r>
-          </a:p>
-          <a:p>
-            <a:pPr algn="l"/>
-            <a:endParaRPr lang="en-AU" dirty="0">
-              <a:solidFill>
-                <a:srgbClr val="9C3C9A"/>
-              </a:solidFill>
-              <a:latin typeface="Open Sans ExtraBold" pitchFamily="2" charset="0"/>
-              <a:ea typeface="Open Sans ExtraBold" pitchFamily="2" charset="0"/>
-              <a:cs typeface="Open Sans ExtraBold" pitchFamily="2" charset="0"/>
-            </a:endParaRPr>
-          </a:p>
-          <a:p>
-            <a:pPr algn="l"/>
-            <a:r>
-              <a:rPr lang="en-US" sz="1400" dirty="0">
-                <a:solidFill>
-                  <a:schemeClr val="tx1"/>
-                </a:solidFill>
-              </a:rPr>
-              <a:t>Sample template for performance testing up to 1m journal lines</a:t>
-            </a:r>
-          </a:p>
-          <a:p>
-            <a:pPr algn="l"/>
-            <a:r>
-              <a:rPr lang="en-US" sz="1400" dirty="0">
-                <a:solidFill>
-                  <a:schemeClr val="tx1"/>
-                </a:solidFill>
-              </a:rPr>
-              <a:t>Run any document in manual mode without a connector</a:t>
-            </a:r>
+              <a:t>Native X++ implementation, fully customized solution with custom logic and validations</a:t>
+            </a:r>
+            <a:endParaRPr lang="en-US" sz="1600" dirty="0"/>
           </a:p>
         </p:txBody>
       </p:sp>
     </p:spTree>
     <p:extLst>
       <p:ext uri="{BB962C8B-B14F-4D97-AF65-F5344CB8AC3E}">
-        <p14:creationId xmlns:p14="http://schemas.microsoft.com/office/powerpoint/2010/main" val="3720444367"/>
+        <p14:creationId xmlns:p14="http://schemas.microsoft.com/office/powerpoint/2010/main" val="3354146079"/>
       </p:ext>
     </p:extLst>
   </p:cSld>
@@ -18216,88 +18187,10 @@
       </p:grpSpPr>
       <p:sp>
         <p:nvSpPr>
-          <p:cNvPr id="3" name="Content Placeholder 2">
-            <a:extLst>
-              <a:ext uri="{FF2B5EF4-FFF2-40B4-BE49-F238E27FC236}">
-                <a16:creationId xmlns:a16="http://schemas.microsoft.com/office/drawing/2014/main" id="{8D0AF91B-4587-C636-2AAC-485759A0912B}"/>
-              </a:ext>
-            </a:extLst>
-          </p:cNvPr>
-          <p:cNvSpPr>
-            <a:spLocks noGrp="1"/>
-          </p:cNvSpPr>
-          <p:nvPr>
-            <p:ph sz="half" idx="1"/>
-          </p:nvPr>
-        </p:nvSpPr>
-        <p:spPr>
-          <a:xfrm>
-            <a:off x="838199" y="1882741"/>
-            <a:ext cx="3425575" cy="3737223"/>
-          </a:xfrm>
-        </p:spPr>
-        <p:txBody>
-          <a:bodyPr>
-            <a:normAutofit/>
-          </a:bodyPr>
-          <a:lstStyle/>
-          <a:p>
-            <a:pPr marL="0" indent="0">
-              <a:buNone/>
-            </a:pPr>
-            <a:r>
-              <a:rPr lang="en-US" sz="1800" b="1" dirty="0">
-                <a:solidFill>
-                  <a:srgbClr val="9C3C9A"/>
-                </a:solidFill>
-                <a:latin typeface="Open Sans ExtraBold" pitchFamily="2" charset="0"/>
-                <a:ea typeface="Open Sans ExtraBold" pitchFamily="2" charset="0"/>
-                <a:cs typeface="Open Sans ExtraBold" pitchFamily="2" charset="0"/>
-              </a:rPr>
-              <a:t>vs. DMF (Data Management Framework)</a:t>
-            </a:r>
-          </a:p>
-          <a:p>
-            <a:endParaRPr lang="en-US" sz="800" b="1" dirty="0"/>
-          </a:p>
-          <a:p>
-            <a:r>
-              <a:rPr lang="en-US" sz="1800" dirty="0"/>
-              <a:t>Support custom transactions</a:t>
-            </a:r>
-          </a:p>
-          <a:p>
-            <a:r>
-              <a:rPr lang="en-US" sz="1800" dirty="0"/>
-              <a:t>Easily link a Document to the Original file </a:t>
-            </a:r>
-          </a:p>
-          <a:p>
-            <a:r>
-              <a:rPr lang="en-US" sz="1800" dirty="0"/>
-              <a:t>Custom Business logic, not linked to data entity</a:t>
-            </a:r>
-          </a:p>
-          <a:p>
-            <a:r>
-              <a:rPr lang="en-US" sz="1800" dirty="0"/>
-              <a:t>Native X++ code - no external dependencies</a:t>
-            </a:r>
-          </a:p>
-          <a:p>
-            <a:r>
-              <a:rPr lang="en-US" sz="1800" dirty="0"/>
-              <a:t>A standard approach to error types and how to handle them</a:t>
-            </a:r>
-          </a:p>
-        </p:txBody>
-      </p:sp>
-      <p:sp>
-        <p:nvSpPr>
-          <p:cNvPr id="4" name="Title 3">
-            <a:extLst>
-              <a:ext uri="{FF2B5EF4-FFF2-40B4-BE49-F238E27FC236}">
-                <a16:creationId xmlns:a16="http://schemas.microsoft.com/office/drawing/2014/main" id="{AE3D4688-AE1B-3813-DB78-0D8439392B65}"/>
+          <p:cNvPr id="2" name="Title 1">
+            <a:extLst>
+              <a:ext uri="{FF2B5EF4-FFF2-40B4-BE49-F238E27FC236}">
+                <a16:creationId xmlns:a16="http://schemas.microsoft.com/office/drawing/2014/main" id="{6F19ED09-45B8-A2F9-6DD5-EE9A02F3C647}"/>
               </a:ext>
             </a:extLst>
           </p:cNvPr>
@@ -18310,243 +18203,50 @@
         </p:nvSpPr>
         <p:spPr/>
         <p:txBody>
-          <a:bodyPr>
-            <a:normAutofit/>
-          </a:bodyPr>
+          <a:bodyPr/>
           <a:lstStyle/>
           <a:p>
             <a:r>
-              <a:rPr lang="en-US" sz="3600" dirty="0"/>
-              <a:t>Advantages Over Standard Microsoft Tools</a:t>
-            </a:r>
-          </a:p>
-        </p:txBody>
-      </p:sp>
-      <p:sp>
-        <p:nvSpPr>
-          <p:cNvPr id="5" name="Content Placeholder 4">
-            <a:extLst>
-              <a:ext uri="{FF2B5EF4-FFF2-40B4-BE49-F238E27FC236}">
-                <a16:creationId xmlns:a16="http://schemas.microsoft.com/office/drawing/2014/main" id="{3696C1DB-7794-8779-74DE-555C1EA19FF7}"/>
-              </a:ext>
-            </a:extLst>
-          </p:cNvPr>
-          <p:cNvSpPr>
-            <a:spLocks noGrp="1"/>
-          </p:cNvSpPr>
-          <p:nvPr>
-            <p:ph sz="half" idx="11"/>
-          </p:nvPr>
-        </p:nvSpPr>
-        <p:spPr>
-          <a:xfrm>
-            <a:off x="4457699" y="1891706"/>
-            <a:ext cx="3425575" cy="3737223"/>
-          </a:xfrm>
-        </p:spPr>
-        <p:txBody>
-          <a:bodyPr>
-            <a:normAutofit lnSpcReduction="10000"/>
-          </a:bodyPr>
-          <a:lstStyle/>
-          <a:p>
-            <a:pPr marL="0" indent="0">
-              <a:buNone/>
-            </a:pPr>
-            <a:r>
-              <a:rPr lang="en-US" sz="1800" b="1" dirty="0">
-                <a:solidFill>
-                  <a:srgbClr val="9C3C9A"/>
-                </a:solidFill>
-                <a:latin typeface="Open Sans ExtraBold" pitchFamily="2" charset="0"/>
-                <a:ea typeface="Open Sans ExtraBold" pitchFamily="2" charset="0"/>
-                <a:cs typeface="Open Sans ExtraBold" pitchFamily="2" charset="0"/>
-              </a:rPr>
-              <a:t>vs. Business Events</a:t>
-            </a:r>
-          </a:p>
-          <a:p>
-            <a:endParaRPr lang="en-US" sz="1800" b="1" dirty="0"/>
-          </a:p>
-          <a:p>
-            <a:r>
-              <a:rPr lang="en-AU" sz="1800" dirty="0"/>
-              <a:t>Data creation timing: document created at the time of export, not at the time of the event  </a:t>
-            </a:r>
-          </a:p>
-          <a:p>
-            <a:r>
-              <a:rPr lang="en-US" sz="1800" dirty="0"/>
-              <a:t>Event Frequency and Uniqueness: Messages are unique per document and do not duplicated</a:t>
-            </a:r>
-          </a:p>
-          <a:p>
-            <a:r>
-              <a:rPr lang="en-AU" sz="1800" dirty="0"/>
-              <a:t>Response Processing: Can process response</a:t>
-            </a:r>
-          </a:p>
-          <a:p>
-            <a:r>
-              <a:rPr lang="en-US" sz="1800" dirty="0"/>
-              <a:t>Full logs (BE doesn’t support success logs)</a:t>
-            </a:r>
-          </a:p>
-          <a:p>
-            <a:endParaRPr lang="en-AU" sz="1800" b="1" dirty="0"/>
-          </a:p>
-          <a:p>
-            <a:endParaRPr lang="en-US" sz="1800" b="1" dirty="0"/>
-          </a:p>
-        </p:txBody>
-      </p:sp>
-      <p:sp>
-        <p:nvSpPr>
-          <p:cNvPr id="6" name="Content Placeholder 5">
-            <a:extLst>
-              <a:ext uri="{FF2B5EF4-FFF2-40B4-BE49-F238E27FC236}">
-                <a16:creationId xmlns:a16="http://schemas.microsoft.com/office/drawing/2014/main" id="{8324738C-070C-0E8D-AC5B-53686FBB420A}"/>
-              </a:ext>
-            </a:extLst>
-          </p:cNvPr>
-          <p:cNvSpPr>
-            <a:spLocks noGrp="1"/>
-          </p:cNvSpPr>
-          <p:nvPr>
-            <p:ph sz="half" idx="12"/>
-          </p:nvPr>
-        </p:nvSpPr>
-        <p:spPr>
-          <a:xfrm>
-            <a:off x="8072719" y="1891706"/>
-            <a:ext cx="3276600" cy="3923467"/>
-          </a:xfrm>
-        </p:spPr>
-        <p:txBody>
-          <a:bodyPr>
-            <a:normAutofit/>
-          </a:bodyPr>
-          <a:lstStyle/>
-          <a:p>
-            <a:pPr marL="0" indent="0">
-              <a:lnSpc>
-                <a:spcPct val="80000"/>
-              </a:lnSpc>
-              <a:buNone/>
-            </a:pPr>
-            <a:r>
-              <a:rPr lang="en-US" sz="1800" b="1" dirty="0">
-                <a:solidFill>
-                  <a:srgbClr val="9C3C9A"/>
-                </a:solidFill>
-                <a:latin typeface="Open Sans ExtraBold" pitchFamily="2" charset="0"/>
-                <a:ea typeface="Open Sans ExtraBold" pitchFamily="2" charset="0"/>
-                <a:cs typeface="Open Sans ExtraBold" pitchFamily="2" charset="0"/>
-              </a:rPr>
-              <a:t>vs. Message Processor</a:t>
-            </a:r>
-          </a:p>
-          <a:p>
-            <a:pPr marL="0" indent="0">
-              <a:lnSpc>
-                <a:spcPct val="80000"/>
-              </a:lnSpc>
-              <a:buNone/>
-            </a:pPr>
-            <a:endParaRPr lang="en-US" sz="1700" b="1" dirty="0">
-              <a:solidFill>
-                <a:srgbClr val="9C3C9A"/>
-              </a:solidFill>
-              <a:latin typeface="Open Sans ExtraBold" pitchFamily="2" charset="0"/>
-              <a:ea typeface="Open Sans ExtraBold" pitchFamily="2" charset="0"/>
-              <a:cs typeface="Open Sans ExtraBold" pitchFamily="2" charset="0"/>
-            </a:endParaRPr>
-          </a:p>
-          <a:p>
-            <a:pPr>
-              <a:lnSpc>
-                <a:spcPct val="80000"/>
-              </a:lnSpc>
-            </a:pPr>
-            <a:r>
-              <a:rPr lang="en-AU" sz="1900" dirty="0"/>
-              <a:t>Enhanced Logging</a:t>
-            </a:r>
-          </a:p>
-          <a:p>
-            <a:pPr>
-              <a:lnSpc>
-                <a:spcPct val="80000"/>
-              </a:lnSpc>
-            </a:pPr>
-            <a:r>
-              <a:rPr lang="en-AU" sz="1900" dirty="0"/>
-              <a:t>Tracing</a:t>
-            </a:r>
-          </a:p>
-          <a:p>
-            <a:pPr>
-              <a:lnSpc>
-                <a:spcPct val="80000"/>
-              </a:lnSpc>
-            </a:pPr>
-            <a:r>
-              <a:rPr lang="en-AU" sz="1900" dirty="0"/>
-              <a:t>Manual message processing </a:t>
-            </a:r>
-          </a:p>
-          <a:p>
-            <a:pPr>
-              <a:lnSpc>
-                <a:spcPct val="80000"/>
-              </a:lnSpc>
-            </a:pPr>
-            <a:r>
-              <a:rPr lang="en-AU" sz="1900" dirty="0"/>
-              <a:t>Can be run in </a:t>
-            </a:r>
-            <a:r>
-              <a:rPr lang="en-AU" sz="1900" dirty="0" err="1"/>
-              <a:t>ttsbegin-ttsabort</a:t>
-            </a:r>
-            <a:r>
-              <a:rPr lang="en-AU" sz="1900" dirty="0"/>
-              <a:t> block for testing scenario</a:t>
-            </a:r>
-          </a:p>
-          <a:p>
-            <a:pPr>
-              <a:lnSpc>
-                <a:spcPct val="80000"/>
-              </a:lnSpc>
-            </a:pPr>
-            <a:r>
-              <a:rPr lang="en-AU" sz="1900" dirty="0"/>
-              <a:t>Processing and format flexibility</a:t>
-            </a:r>
-          </a:p>
-          <a:p>
-            <a:pPr marL="0" indent="0">
-              <a:lnSpc>
-                <a:spcPct val="80000"/>
-              </a:lnSpc>
-              <a:buNone/>
-            </a:pPr>
-            <a:endParaRPr lang="en-US" sz="1700" b="1" dirty="0">
-              <a:solidFill>
-                <a:srgbClr val="9C3C9A"/>
-              </a:solidFill>
-              <a:latin typeface="Open Sans ExtraBold" pitchFamily="2" charset="0"/>
-              <a:ea typeface="Open Sans ExtraBold" pitchFamily="2" charset="0"/>
-              <a:cs typeface="Open Sans ExtraBold" pitchFamily="2" charset="0"/>
-            </a:endParaRPr>
-          </a:p>
-        </p:txBody>
-      </p:sp>
+              <a:rPr lang="en-US" dirty="0"/>
+              <a:t>AI Processing Workflow</a:t>
+            </a:r>
+          </a:p>
+        </p:txBody>
+      </p:sp>
+      <p:pic>
+        <p:nvPicPr>
+          <p:cNvPr id="6" name="Picture 5">
+            <a:extLst>
+              <a:ext uri="{FF2B5EF4-FFF2-40B4-BE49-F238E27FC236}">
+                <a16:creationId xmlns:a16="http://schemas.microsoft.com/office/drawing/2014/main" id="{C1E96EF4-975E-72A7-3839-7522ED619165}"/>
+              </a:ext>
+            </a:extLst>
+          </p:cNvPr>
+          <p:cNvPicPr>
+            <a:picLocks noChangeAspect="1"/>
+          </p:cNvPicPr>
+          <p:nvPr/>
+        </p:nvPicPr>
+        <p:blipFill>
+          <a:blip r:embed="rId2"/>
+          <a:stretch>
+            <a:fillRect/>
+          </a:stretch>
+        </p:blipFill>
+        <p:spPr>
+          <a:xfrm>
+            <a:off x="1138511" y="1814935"/>
+            <a:ext cx="9166470" cy="4410178"/>
+          </a:xfrm>
+          <a:prstGeom prst="rect">
+            <a:avLst/>
+          </a:prstGeom>
+        </p:spPr>
+      </p:pic>
     </p:spTree>
     <p:extLst>
       <p:ext uri="{BB962C8B-B14F-4D97-AF65-F5344CB8AC3E}">
-        <p14:creationId xmlns:p14="http://schemas.microsoft.com/office/powerpoint/2010/main" val="1027028540"/>
+        <p14:creationId xmlns:p14="http://schemas.microsoft.com/office/powerpoint/2010/main" val="618006151"/>
       </p:ext>
     </p:extLst>
   </p:cSld>
@@ -18578,7 +18278,7 @@
           <p:cNvPr id="2" name="Title 1">
             <a:extLst>
               <a:ext uri="{FF2B5EF4-FFF2-40B4-BE49-F238E27FC236}">
-                <a16:creationId xmlns:a16="http://schemas.microsoft.com/office/drawing/2014/main" id="{D12B8BD2-D3D1-07CB-9CC2-258961E3BF23}"/>
+                <a16:creationId xmlns:a16="http://schemas.microsoft.com/office/drawing/2014/main" id="{64FF932F-B33C-33E7-5F47-1142B6332956}"/>
               </a:ext>
             </a:extLst>
           </p:cNvPr>
@@ -18589,92 +18289,46 @@
             <p:ph type="title"/>
           </p:nvPr>
         </p:nvSpPr>
-        <p:spPr/>
-        <p:txBody>
-          <a:bodyPr>
-            <a:normAutofit fontScale="90000"/>
-          </a:bodyPr>
-          <a:lstStyle/>
-          <a:p>
-            <a:r>
-              <a:rPr lang="en-US" dirty="0"/>
-              <a:t>Use case: Import complex PDF</a:t>
-            </a:r>
-          </a:p>
-        </p:txBody>
-      </p:sp>
-      <p:sp>
-        <p:nvSpPr>
-          <p:cNvPr id="3" name="Content Placeholder 2">
-            <a:extLst>
-              <a:ext uri="{FF2B5EF4-FFF2-40B4-BE49-F238E27FC236}">
-                <a16:creationId xmlns:a16="http://schemas.microsoft.com/office/drawing/2014/main" id="{9E4B55B4-2709-38A1-E8C5-0177E9E7A222}"/>
-              </a:ext>
-            </a:extLst>
-          </p:cNvPr>
-          <p:cNvSpPr>
-            <a:spLocks noGrp="1"/>
-          </p:cNvSpPr>
-          <p:nvPr>
-            <p:ph sz="half" idx="1"/>
-          </p:nvPr>
-        </p:nvSpPr>
-        <p:spPr>
-          <a:xfrm>
-            <a:off x="838199" y="1888379"/>
-            <a:ext cx="10155149" cy="680160"/>
+        <p:spPr>
+          <a:xfrm>
+            <a:off x="755122" y="368511"/>
+            <a:ext cx="10515600" cy="1439741"/>
           </a:xfrm>
         </p:spPr>
         <p:txBody>
           <a:bodyPr/>
           <a:lstStyle/>
           <a:p>
-            <a:pPr marL="0" indent="0">
-              <a:buNone/>
-            </a:pPr>
-            <a:r>
-              <a:rPr lang="en-US" b="1" dirty="0"/>
-              <a:t>Possible options:</a:t>
-            </a:r>
-          </a:p>
-        </p:txBody>
-      </p:sp>
-      <p:pic>
-        <p:nvPicPr>
-          <p:cNvPr id="5" name="Image 0" descr="preencoded.png">
-            <a:extLst>
-              <a:ext uri="{FF2B5EF4-FFF2-40B4-BE49-F238E27FC236}">
-                <a16:creationId xmlns:a16="http://schemas.microsoft.com/office/drawing/2014/main" id="{B8B19ED3-A8B1-482A-CCAA-C6A3E2831529}"/>
-              </a:ext>
-            </a:extLst>
-          </p:cNvPr>
-          <p:cNvPicPr>
-            <a:picLocks noChangeAspect="1"/>
-          </p:cNvPicPr>
-          <p:nvPr/>
-        </p:nvPicPr>
-        <p:blipFill>
-          <a:blip r:embed="rId2"/>
-          <a:stretch>
-            <a:fillRect/>
-          </a:stretch>
-        </p:blipFill>
-        <p:spPr>
-          <a:xfrm>
-            <a:off x="1043853" y="2552536"/>
-            <a:ext cx="228600" cy="228600"/>
-          </a:xfrm>
-          <a:prstGeom prst="rect">
-            <a:avLst/>
-          </a:prstGeom>
-        </p:spPr>
-      </p:pic>
-      <p:sp>
-        <p:nvSpPr>
-          <p:cNvPr id="6" name="Text 2">
-            <a:extLst>
-              <a:ext uri="{FF2B5EF4-FFF2-40B4-BE49-F238E27FC236}">
-                <a16:creationId xmlns:a16="http://schemas.microsoft.com/office/drawing/2014/main" id="{06603F5E-BFED-DBCA-D39C-2D3F2BB61E47}"/>
+            <a:r>
+              <a:rPr lang="en-US" sz="2800" dirty="0"/>
+              <a:t>External Integration module</a:t>
+            </a:r>
+            <a:br>
+              <a:rPr lang="en-US" sz="2400" dirty="0"/>
+            </a:br>
+            <a:br>
+              <a:rPr lang="en-US" sz="1000" dirty="0"/>
+            </a:br>
+            <a:r>
+              <a:rPr lang="en-US" sz="1400" b="0" dirty="0"/>
+              <a:t>Standardized approach for X++ based integrations</a:t>
+            </a:r>
+            <a:br>
+              <a:rPr lang="en-US" sz="1400" b="0" dirty="0"/>
+            </a:br>
+            <a:r>
+              <a:rPr lang="en-US" sz="1400" b="0" dirty="0"/>
+              <a:t>Free open-source framework to simplify integration development and support</a:t>
+            </a:r>
+          </a:p>
+        </p:txBody>
+      </p:sp>
+      <p:sp>
+        <p:nvSpPr>
+          <p:cNvPr id="4" name="Rectangle 3">
+            <a:extLst>
+              <a:ext uri="{FF2B5EF4-FFF2-40B4-BE49-F238E27FC236}">
+                <a16:creationId xmlns:a16="http://schemas.microsoft.com/office/drawing/2014/main" id="{18A2A541-3F2C-EB71-34F1-3A5EC41D9663}"/>
               </a:ext>
             </a:extLst>
           </p:cNvPr>
@@ -18683,77 +18337,153 @@
         </p:nvSpPr>
         <p:spPr>
           <a:xfrm>
-            <a:off x="1318173" y="2512529"/>
-            <a:ext cx="7969665" cy="274320"/>
+            <a:off x="940943" y="1944383"/>
+            <a:ext cx="4812585" cy="1633591"/>
           </a:xfrm>
           <a:prstGeom prst="rect">
             <a:avLst/>
           </a:prstGeom>
           <a:noFill/>
-          <a:ln/>
-        </p:spPr>
-        <p:txBody>
-          <a:bodyPr wrap="square" rtlCol="0" anchor="ctr"/>
+          <a:ln w="12700" cap="rnd">
+            <a:solidFill>
+              <a:srgbClr val="000000"/>
+            </a:solidFill>
+            <a:round/>
+          </a:ln>
+          <a:effectLst/>
+        </p:spPr>
+        <p:style>
+          <a:lnRef idx="1">
+            <a:schemeClr val="accent1"/>
+          </a:lnRef>
+          <a:fillRef idx="3">
+            <a:schemeClr val="accent1"/>
+          </a:fillRef>
+          <a:effectRef idx="2">
+            <a:schemeClr val="accent1"/>
+          </a:effectRef>
+          <a:fontRef idx="minor">
+            <a:schemeClr val="lt1"/>
+          </a:fontRef>
+        </p:style>
+        <p:txBody>
+          <a:bodyPr wrap="square" rtlCol="0" anchor="t" anchorCtr="0"/>
           <a:lstStyle/>
           <a:p>
-            <a:pPr marL="0" indent="0">
-              <a:buNone/>
-            </a:pPr>
-            <a:r>
-              <a:rPr lang="en-US" sz="1600" b="1" dirty="0">
+            <a:pPr algn="l"/>
+            <a:endParaRPr lang="en-US" sz="800" b="1" dirty="0">
+              <a:solidFill>
+                <a:srgbClr val="0066CC"/>
+              </a:solidFill>
+            </a:endParaRPr>
+          </a:p>
+          <a:p>
+            <a:pPr algn="l"/>
+            <a:r>
+              <a:rPr lang="en-US" dirty="0">
                 <a:solidFill>
-                  <a:srgbClr val="030A18"/>
+                  <a:srgbClr val="9C3C9A"/>
+                </a:solidFill>
+                <a:latin typeface="Open Sans ExtraBold" pitchFamily="2" charset="0"/>
+                <a:ea typeface="Open Sans ExtraBold" pitchFamily="2" charset="0"/>
+                <a:cs typeface="Open Sans ExtraBold" pitchFamily="2" charset="0"/>
+              </a:rPr>
+              <a:t>1. </a:t>
+            </a:r>
+            <a:r>
+              <a:rPr dirty="0">
+                <a:solidFill>
+                  <a:srgbClr val="9C3C9A"/>
+                </a:solidFill>
+                <a:latin typeface="Open Sans ExtraBold" pitchFamily="2" charset="0"/>
+                <a:ea typeface="Open Sans ExtraBold" pitchFamily="2" charset="0"/>
+                <a:cs typeface="Open Sans ExtraBold" pitchFamily="2" charset="0"/>
+              </a:rPr>
+              <a:t>Design</a:t>
+            </a:r>
+            <a:endParaRPr lang="en-US" dirty="0">
+              <a:solidFill>
+                <a:srgbClr val="9C3C9A"/>
+              </a:solidFill>
+              <a:latin typeface="Open Sans ExtraBold" pitchFamily="2" charset="0"/>
+              <a:ea typeface="Open Sans ExtraBold" pitchFamily="2" charset="0"/>
+              <a:cs typeface="Open Sans ExtraBold" pitchFamily="2" charset="0"/>
+            </a:endParaRPr>
+          </a:p>
+          <a:p>
+            <a:pPr algn="l"/>
+            <a:endParaRPr lang="en-US" sz="1600" b="1" dirty="0">
+              <a:solidFill>
+                <a:srgbClr val="0066CC"/>
+              </a:solidFill>
+            </a:endParaRPr>
+          </a:p>
+          <a:p>
+            <a:pPr algn="l"/>
+            <a:r>
+              <a:rPr lang="en-US" sz="1400" dirty="0">
+                <a:solidFill>
+                  <a:schemeClr val="tx1"/>
                 </a:solidFill>
               </a:rPr>
-              <a:t>Online PDF to Excel converters</a:t>
-            </a:r>
-            <a:r>
-              <a:rPr lang="en-US" sz="1600" dirty="0">
+              <a:t>Ready-to-use templates for integration planning:</a:t>
+            </a:r>
+          </a:p>
+          <a:p>
+            <a:pPr marL="285750" indent="-285750" algn="l">
+              <a:buFont typeface="Arial" panose="020B0604020202020204" pitchFamily="34" charset="0"/>
+              <a:buChar char="•"/>
+            </a:pPr>
+            <a:r>
+              <a:rPr lang="en-US" sz="1400" dirty="0">
                 <a:solidFill>
-                  <a:srgbClr val="030A18"/>
+                  <a:schemeClr val="tx1"/>
                 </a:solidFill>
               </a:rPr>
-              <a:t>: can’t handle complex structure</a:t>
-            </a:r>
-          </a:p>
-        </p:txBody>
-      </p:sp>
-      <p:pic>
-        <p:nvPicPr>
-          <p:cNvPr id="7" name="Image 1" descr="preencoded.png">
-            <a:extLst>
-              <a:ext uri="{FF2B5EF4-FFF2-40B4-BE49-F238E27FC236}">
-                <a16:creationId xmlns:a16="http://schemas.microsoft.com/office/drawing/2014/main" id="{B68B6F81-673E-DAC2-2466-4ACBE21760AB}"/>
-              </a:ext>
-            </a:extLst>
-          </p:cNvPr>
-          <p:cNvPicPr>
-            <a:picLocks noChangeAspect="1"/>
-          </p:cNvPicPr>
-          <p:nvPr/>
-        </p:nvPicPr>
-        <p:blipFill>
-          <a:blip r:embed="rId2"/>
-          <a:stretch>
-            <a:fillRect/>
-          </a:stretch>
-        </p:blipFill>
-        <p:spPr>
-          <a:xfrm>
-            <a:off x="1043853" y="3076064"/>
-            <a:ext cx="228600" cy="228600"/>
-          </a:xfrm>
-          <a:prstGeom prst="rect">
-            <a:avLst/>
-          </a:prstGeom>
-        </p:spPr>
-      </p:pic>
-      <p:sp>
-        <p:nvSpPr>
-          <p:cNvPr id="8" name="Text 3">
-            <a:extLst>
-              <a:ext uri="{FF2B5EF4-FFF2-40B4-BE49-F238E27FC236}">
-                <a16:creationId xmlns:a16="http://schemas.microsoft.com/office/drawing/2014/main" id="{82272B72-0F09-0B9D-F234-36C183A2CAE2}"/>
+              <a:t>Inbound, </a:t>
+            </a:r>
+          </a:p>
+          <a:p>
+            <a:pPr marL="285750" indent="-285750" algn="l">
+              <a:buFont typeface="Arial" panose="020B0604020202020204" pitchFamily="34" charset="0"/>
+              <a:buChar char="•"/>
+            </a:pPr>
+            <a:r>
+              <a:rPr lang="en-US" sz="1400" dirty="0">
+                <a:solidFill>
+                  <a:schemeClr val="tx1"/>
+                </a:solidFill>
+              </a:rPr>
+              <a:t>Outbound Event-based, Outbound Periodic, </a:t>
+            </a:r>
+          </a:p>
+          <a:p>
+            <a:pPr marL="285750" indent="-285750" algn="l">
+              <a:buFont typeface="Arial" panose="020B0604020202020204" pitchFamily="34" charset="0"/>
+              <a:buChar char="•"/>
+            </a:pPr>
+            <a:r>
+              <a:rPr lang="en-US" sz="1400" dirty="0">
+                <a:solidFill>
+                  <a:schemeClr val="tx1"/>
+                </a:solidFill>
+              </a:rPr>
+              <a:t>Service-based</a:t>
+            </a:r>
+            <a:endParaRPr sz="1400" dirty="0">
+              <a:solidFill>
+                <a:schemeClr val="tx1"/>
+              </a:solidFill>
+            </a:endParaRPr>
+          </a:p>
+        </p:txBody>
+      </p:sp>
+      <p:sp>
+        <p:nvSpPr>
+          <p:cNvPr id="8" name="Rectangle 7">
+            <a:extLst>
+              <a:ext uri="{FF2B5EF4-FFF2-40B4-BE49-F238E27FC236}">
+                <a16:creationId xmlns:a16="http://schemas.microsoft.com/office/drawing/2014/main" id="{A5ADE7F3-86AE-C701-F0EC-BC0AB59576B7}"/>
               </a:ext>
             </a:extLst>
           </p:cNvPr>
@@ -18762,77 +18492,98 @@
         </p:nvSpPr>
         <p:spPr>
           <a:xfrm>
-            <a:off x="1318173" y="2969729"/>
-            <a:ext cx="7661439" cy="441270"/>
+            <a:off x="6438472" y="1944383"/>
+            <a:ext cx="4812585" cy="1633591"/>
           </a:xfrm>
           <a:prstGeom prst="rect">
             <a:avLst/>
           </a:prstGeom>
           <a:noFill/>
-          <a:ln/>
-        </p:spPr>
-        <p:txBody>
-          <a:bodyPr wrap="square" rtlCol="0" anchor="ctr"/>
+          <a:ln w="12700" cap="rnd">
+            <a:solidFill>
+              <a:srgbClr val="000000"/>
+            </a:solidFill>
+            <a:round/>
+          </a:ln>
+          <a:effectLst/>
+        </p:spPr>
+        <p:style>
+          <a:lnRef idx="1">
+            <a:schemeClr val="accent1"/>
+          </a:lnRef>
+          <a:fillRef idx="3">
+            <a:schemeClr val="accent1"/>
+          </a:fillRef>
+          <a:effectRef idx="2">
+            <a:schemeClr val="accent1"/>
+          </a:effectRef>
+          <a:fontRef idx="minor">
+            <a:schemeClr val="lt1"/>
+          </a:fontRef>
+        </p:style>
+        <p:txBody>
+          <a:bodyPr wrap="square" rtlCol="0" anchor="t" anchorCtr="0"/>
           <a:lstStyle/>
           <a:p>
-            <a:pPr marL="0" indent="0">
-              <a:buNone/>
-            </a:pPr>
-            <a:r>
-              <a:rPr lang="en-US" sz="1600" b="1" dirty="0">
+            <a:pPr algn="l"/>
+            <a:endParaRPr lang="en-US" sz="800" b="1" dirty="0">
+              <a:solidFill>
+                <a:srgbClr val="0066CC"/>
+              </a:solidFill>
+            </a:endParaRPr>
+          </a:p>
+          <a:p>
+            <a:pPr algn="l"/>
+            <a:r>
+              <a:rPr lang="en-AU" dirty="0">
                 <a:solidFill>
-                  <a:srgbClr val="030A18"/>
+                  <a:srgbClr val="9C3C9A"/>
+                </a:solidFill>
+                <a:latin typeface="Open Sans ExtraBold" pitchFamily="2" charset="0"/>
+                <a:ea typeface="Open Sans ExtraBold" pitchFamily="2" charset="0"/>
+                <a:cs typeface="Open Sans ExtraBold" pitchFamily="2" charset="0"/>
+              </a:rPr>
+              <a:t>2. Load data</a:t>
+            </a:r>
+          </a:p>
+          <a:p>
+            <a:pPr algn="l"/>
+            <a:endParaRPr lang="en-US" sz="1400" dirty="0">
+              <a:solidFill>
+                <a:schemeClr val="tx1"/>
+              </a:solidFill>
+            </a:endParaRPr>
+          </a:p>
+          <a:p>
+            <a:pPr algn="l"/>
+            <a:r>
+              <a:rPr lang="en-US" sz="1400" dirty="0">
+                <a:solidFill>
+                  <a:schemeClr val="tx1"/>
                 </a:solidFill>
               </a:rPr>
-              <a:t>Microsoft Invoice capture solution</a:t>
-            </a:r>
-            <a:r>
-              <a:rPr lang="en-US" sz="1600" dirty="0">
+              <a:t>Connectors for: </a:t>
+            </a:r>
+          </a:p>
+          <a:p>
+            <a:pPr algn="l"/>
+            <a:r>
+              <a:rPr lang="en-US" sz="1400" dirty="0">
                 <a:solidFill>
-                  <a:srgbClr val="030A18"/>
+                  <a:schemeClr val="tx1"/>
                 </a:solidFill>
               </a:rPr>
-              <a:t>: Complex setup(65 pages install guide), based on Microsoft AI Foundry Document Intelligence OCR, can’t handle custom documents   </a:t>
-            </a:r>
-          </a:p>
-        </p:txBody>
-      </p:sp>
-      <p:pic>
-        <p:nvPicPr>
-          <p:cNvPr id="9" name="Image 2" descr="preencoded.png">
-            <a:extLst>
-              <a:ext uri="{FF2B5EF4-FFF2-40B4-BE49-F238E27FC236}">
-                <a16:creationId xmlns:a16="http://schemas.microsoft.com/office/drawing/2014/main" id="{532AE0D8-8B1C-4196-524A-84FFA11937C1}"/>
-              </a:ext>
-            </a:extLst>
-          </p:cNvPr>
-          <p:cNvPicPr>
-            <a:picLocks noChangeAspect="1"/>
-          </p:cNvPicPr>
-          <p:nvPr/>
-        </p:nvPicPr>
-        <p:blipFill>
-          <a:blip r:embed="rId2"/>
-          <a:stretch>
-            <a:fillRect/>
-          </a:stretch>
-        </p:blipFill>
-        <p:spPr>
-          <a:xfrm>
-            <a:off x="1043854" y="3550517"/>
-            <a:ext cx="228600" cy="228600"/>
-          </a:xfrm>
-          <a:prstGeom prst="rect">
-            <a:avLst/>
-          </a:prstGeom>
-        </p:spPr>
-      </p:pic>
-      <p:sp>
-        <p:nvSpPr>
-          <p:cNvPr id="10" name="Text 4">
-            <a:extLst>
-              <a:ext uri="{FF2B5EF4-FFF2-40B4-BE49-F238E27FC236}">
-                <a16:creationId xmlns:a16="http://schemas.microsoft.com/office/drawing/2014/main" id="{E8A3FD5B-F12E-8C44-6796-3AFCB266E955}"/>
+              <a:t>Service Bus, SFTP, Azure File share, Rest API, AI (LLM), Manual</a:t>
+            </a:r>
+          </a:p>
+        </p:txBody>
+      </p:sp>
+      <p:sp>
+        <p:nvSpPr>
+          <p:cNvPr id="9" name="Rectangle 8">
+            <a:extLst>
+              <a:ext uri="{FF2B5EF4-FFF2-40B4-BE49-F238E27FC236}">
+                <a16:creationId xmlns:a16="http://schemas.microsoft.com/office/drawing/2014/main" id="{4E0C847E-FE49-0275-5412-D755A0F898DC}"/>
               </a:ext>
             </a:extLst>
           </p:cNvPr>
@@ -18841,176 +18592,199 @@
         </p:nvSpPr>
         <p:spPr>
           <a:xfrm>
-            <a:off x="1318173" y="3550517"/>
-            <a:ext cx="9212837" cy="449268"/>
+            <a:off x="949921" y="3863082"/>
+            <a:ext cx="4812585" cy="1633591"/>
           </a:xfrm>
           <a:prstGeom prst="rect">
             <a:avLst/>
           </a:prstGeom>
           <a:noFill/>
-          <a:ln/>
-        </p:spPr>
-        <p:txBody>
-          <a:bodyPr wrap="square" rtlCol="0" anchor="ctr"/>
+          <a:ln w="12700" cap="rnd">
+            <a:solidFill>
+              <a:srgbClr val="000000"/>
+            </a:solidFill>
+            <a:round/>
+          </a:ln>
+          <a:effectLst/>
+        </p:spPr>
+        <p:style>
+          <a:lnRef idx="1">
+            <a:schemeClr val="accent1"/>
+          </a:lnRef>
+          <a:fillRef idx="3">
+            <a:schemeClr val="accent1"/>
+          </a:fillRef>
+          <a:effectRef idx="2">
+            <a:schemeClr val="accent1"/>
+          </a:effectRef>
+          <a:fontRef idx="minor">
+            <a:schemeClr val="lt1"/>
+          </a:fontRef>
+        </p:style>
+        <p:txBody>
+          <a:bodyPr wrap="square" rtlCol="0" anchor="t" anchorCtr="0"/>
           <a:lstStyle/>
           <a:p>
-            <a:pPr marL="0" indent="0">
-              <a:buNone/>
-            </a:pPr>
-            <a:r>
-              <a:rPr lang="en-US" sz="1600" b="1" dirty="0">
+            <a:pPr algn="l"/>
+            <a:endParaRPr lang="en-US" sz="800" b="1" dirty="0">
+              <a:solidFill>
+                <a:srgbClr val="0066CC"/>
+              </a:solidFill>
+            </a:endParaRPr>
+          </a:p>
+          <a:p>
+            <a:pPr algn="l"/>
+            <a:r>
+              <a:rPr lang="en-AU" dirty="0">
                 <a:solidFill>
-                  <a:srgbClr val="030A18"/>
+                  <a:srgbClr val="9C3C9A"/>
+                </a:solidFill>
+                <a:latin typeface="Open Sans ExtraBold" pitchFamily="2" charset="0"/>
+                <a:ea typeface="Open Sans ExtraBold" pitchFamily="2" charset="0"/>
+                <a:cs typeface="Open Sans ExtraBold" pitchFamily="2" charset="0"/>
+              </a:rPr>
+              <a:t>3. Process data</a:t>
+            </a:r>
+          </a:p>
+          <a:p>
+            <a:pPr algn="l"/>
+            <a:endParaRPr lang="en-US" sz="1400" dirty="0">
+              <a:solidFill>
+                <a:schemeClr val="tx1"/>
+              </a:solidFill>
+            </a:endParaRPr>
+          </a:p>
+          <a:p>
+            <a:pPr algn="l"/>
+            <a:r>
+              <a:rPr lang="en-US" sz="1400" dirty="0">
+                <a:solidFill>
+                  <a:schemeClr val="tx1"/>
                 </a:solidFill>
               </a:rPr>
-              <a:t>Power App Sales Order Agent</a:t>
-            </a:r>
-            <a:r>
-              <a:rPr lang="en-US" sz="1600" dirty="0">
+              <a:t>Import documents from: CSV, Excel, XML, JSON &amp; PDF</a:t>
+            </a:r>
+          </a:p>
+          <a:p>
+            <a:pPr algn="l"/>
+            <a:r>
+              <a:rPr lang="en-US" sz="1400" dirty="0">
                 <a:solidFill>
-                  <a:srgbClr val="030A18"/>
+                  <a:schemeClr val="tx1"/>
                 </a:solidFill>
               </a:rPr>
-              <a:t>: A separate Power App that reads the document and creates records via </a:t>
-            </a:r>
-            <a:r>
-              <a:rPr lang="en-US" sz="1600" dirty="0" err="1">
+              <a:t>Sample implementations for: Sales lines, Ledger journals, Purchase lines, Vendors</a:t>
+            </a:r>
+          </a:p>
+        </p:txBody>
+      </p:sp>
+      <p:sp>
+        <p:nvSpPr>
+          <p:cNvPr id="10" name="Rectangle 9">
+            <a:extLst>
+              <a:ext uri="{FF2B5EF4-FFF2-40B4-BE49-F238E27FC236}">
+                <a16:creationId xmlns:a16="http://schemas.microsoft.com/office/drawing/2014/main" id="{883EFA88-C5B4-CA19-7AA3-4512206E6FFE}"/>
+              </a:ext>
+            </a:extLst>
+          </p:cNvPr>
+          <p:cNvSpPr/>
+          <p:nvPr/>
+        </p:nvSpPr>
+        <p:spPr>
+          <a:xfrm>
+            <a:off x="6438472" y="3863082"/>
+            <a:ext cx="4812585" cy="1633591"/>
+          </a:xfrm>
+          <a:prstGeom prst="rect">
+            <a:avLst/>
+          </a:prstGeom>
+          <a:noFill/>
+          <a:ln w="12700" cap="rnd">
+            <a:solidFill>
+              <a:srgbClr val="000000"/>
+            </a:solidFill>
+            <a:round/>
+          </a:ln>
+          <a:effectLst/>
+        </p:spPr>
+        <p:style>
+          <a:lnRef idx="1">
+            <a:schemeClr val="accent1"/>
+          </a:lnRef>
+          <a:fillRef idx="3">
+            <a:schemeClr val="accent1"/>
+          </a:fillRef>
+          <a:effectRef idx="2">
+            <a:schemeClr val="accent1"/>
+          </a:effectRef>
+          <a:fontRef idx="minor">
+            <a:schemeClr val="lt1"/>
+          </a:fontRef>
+        </p:style>
+        <p:txBody>
+          <a:bodyPr wrap="square" rtlCol="0" anchor="t" anchorCtr="0"/>
+          <a:lstStyle/>
+          <a:p>
+            <a:pPr algn="l"/>
+            <a:endParaRPr lang="en-US" sz="800" b="1" dirty="0">
+              <a:solidFill>
+                <a:srgbClr val="0066CC"/>
+              </a:solidFill>
+            </a:endParaRPr>
+          </a:p>
+          <a:p>
+            <a:pPr algn="l"/>
+            <a:r>
+              <a:rPr lang="en-AU" dirty="0">
                 <a:solidFill>
-                  <a:srgbClr val="030A18"/>
+                  <a:srgbClr val="9C3C9A"/>
+                </a:solidFill>
+                <a:latin typeface="Open Sans ExtraBold" pitchFamily="2" charset="0"/>
+                <a:ea typeface="Open Sans ExtraBold" pitchFamily="2" charset="0"/>
+                <a:cs typeface="Open Sans ExtraBold" pitchFamily="2" charset="0"/>
+              </a:rPr>
+              <a:t>4. Test</a:t>
+            </a:r>
+          </a:p>
+          <a:p>
+            <a:pPr algn="l"/>
+            <a:endParaRPr lang="en-AU" dirty="0">
+              <a:solidFill>
+                <a:srgbClr val="9C3C9A"/>
+              </a:solidFill>
+              <a:latin typeface="Open Sans ExtraBold" pitchFamily="2" charset="0"/>
+              <a:ea typeface="Open Sans ExtraBold" pitchFamily="2" charset="0"/>
+              <a:cs typeface="Open Sans ExtraBold" pitchFamily="2" charset="0"/>
+            </a:endParaRPr>
+          </a:p>
+          <a:p>
+            <a:pPr algn="l"/>
+            <a:r>
+              <a:rPr lang="en-US" sz="1400" dirty="0">
+                <a:solidFill>
+                  <a:schemeClr val="tx1"/>
                 </a:solidFill>
               </a:rPr>
-              <a:t>Odata</a:t>
-            </a:r>
-            <a:r>
-              <a:rPr lang="en-US" sz="1600" dirty="0">
+              <a:t>Sample template for performance testing up to 1m journal lines</a:t>
+            </a:r>
+          </a:p>
+          <a:p>
+            <a:pPr algn="l"/>
+            <a:r>
+              <a:rPr lang="en-US" sz="1400" dirty="0">
                 <a:solidFill>
-                  <a:srgbClr val="030A18"/>
+                  <a:schemeClr val="tx1"/>
                 </a:solidFill>
               </a:rPr>
-              <a:t> calls. Hard to customize with integration involved </a:t>
-            </a:r>
-            <a:endParaRPr lang="en-US" sz="1600" dirty="0"/>
-          </a:p>
-        </p:txBody>
-      </p:sp>
-      <p:sp>
-        <p:nvSpPr>
-          <p:cNvPr id="13" name="Text 6">
-            <a:extLst>
-              <a:ext uri="{FF2B5EF4-FFF2-40B4-BE49-F238E27FC236}">
-                <a16:creationId xmlns:a16="http://schemas.microsoft.com/office/drawing/2014/main" id="{F59A06D7-EE85-3564-EF83-4CDFED192607}"/>
-              </a:ext>
-            </a:extLst>
-          </p:cNvPr>
-          <p:cNvSpPr/>
-          <p:nvPr/>
-        </p:nvSpPr>
-        <p:spPr>
-          <a:xfrm>
-            <a:off x="954980" y="4268465"/>
-            <a:ext cx="8387822" cy="274320"/>
-          </a:xfrm>
-          <a:prstGeom prst="rect">
-            <a:avLst/>
-          </a:prstGeom>
-          <a:noFill/>
-          <a:ln/>
-        </p:spPr>
-        <p:txBody>
-          <a:bodyPr wrap="square" rtlCol="0" anchor="ctr"/>
-          <a:lstStyle/>
-          <a:p>
-            <a:pPr marL="0" indent="0">
-              <a:buNone/>
-            </a:pPr>
-            <a:r>
-              <a:rPr lang="en-US" sz="2800" b="1" dirty="0">
-                <a:solidFill>
-                  <a:srgbClr val="030A18"/>
-                </a:solidFill>
-              </a:rPr>
-              <a:t>External Integration Framework</a:t>
-            </a:r>
-            <a:endParaRPr lang="en-US" sz="2800" dirty="0"/>
-          </a:p>
-        </p:txBody>
-      </p:sp>
-      <p:pic>
-        <p:nvPicPr>
-          <p:cNvPr id="14" name="Image 4" descr="preencoded.png">
-            <a:extLst>
-              <a:ext uri="{FF2B5EF4-FFF2-40B4-BE49-F238E27FC236}">
-                <a16:creationId xmlns:a16="http://schemas.microsoft.com/office/drawing/2014/main" id="{982327BE-C96F-0FAB-70A0-F63423AEDF42}"/>
-              </a:ext>
-            </a:extLst>
-          </p:cNvPr>
-          <p:cNvPicPr>
-            <a:picLocks noChangeAspect="1"/>
-          </p:cNvPicPr>
-          <p:nvPr/>
-        </p:nvPicPr>
-        <p:blipFill>
-          <a:blip r:embed="rId3"/>
-          <a:stretch>
-            <a:fillRect/>
-          </a:stretch>
-        </p:blipFill>
-        <p:spPr>
-          <a:xfrm>
-            <a:off x="1043853" y="4761095"/>
-            <a:ext cx="228600" cy="228600"/>
-          </a:xfrm>
-          <a:prstGeom prst="rect">
-            <a:avLst/>
-          </a:prstGeom>
-        </p:spPr>
-      </p:pic>
-      <p:sp>
-        <p:nvSpPr>
-          <p:cNvPr id="15" name="Text 7">
-            <a:extLst>
-              <a:ext uri="{FF2B5EF4-FFF2-40B4-BE49-F238E27FC236}">
-                <a16:creationId xmlns:a16="http://schemas.microsoft.com/office/drawing/2014/main" id="{7222136E-A1C8-91C1-E45A-D77216167383}"/>
-              </a:ext>
-            </a:extLst>
-          </p:cNvPr>
-          <p:cNvSpPr/>
-          <p:nvPr/>
-        </p:nvSpPr>
-        <p:spPr>
-          <a:xfrm>
-            <a:off x="1318173" y="4761095"/>
-            <a:ext cx="8387822" cy="274320"/>
-          </a:xfrm>
-          <a:prstGeom prst="rect">
-            <a:avLst/>
-          </a:prstGeom>
-          <a:noFill/>
-          <a:ln/>
-        </p:spPr>
-        <p:txBody>
-          <a:bodyPr wrap="square" rtlCol="0" anchor="ctr"/>
-          <a:lstStyle/>
-          <a:p>
-            <a:pPr marL="0" indent="0">
-              <a:buNone/>
-            </a:pPr>
-            <a:r>
-              <a:rPr lang="en-US" sz="1600" dirty="0">
-                <a:solidFill>
-                  <a:srgbClr val="030A18"/>
-                </a:solidFill>
-              </a:rPr>
-              <a:t>Native X++ implementation, fully customized solution with custom logic and validations</a:t>
-            </a:r>
-            <a:endParaRPr lang="en-US" sz="1600" dirty="0"/>
+              <a:t>Run any document in manual mode without a connector</a:t>
+            </a:r>
           </a:p>
         </p:txBody>
       </p:sp>
     </p:spTree>
     <p:extLst>
       <p:ext uri="{BB962C8B-B14F-4D97-AF65-F5344CB8AC3E}">
-        <p14:creationId xmlns:p14="http://schemas.microsoft.com/office/powerpoint/2010/main" val="3354146079"/>
+        <p14:creationId xmlns:p14="http://schemas.microsoft.com/office/powerpoint/2010/main" val="3720444367"/>
       </p:ext>
     </p:extLst>
   </p:cSld>
@@ -19039,10 +18813,10 @@
       </p:grpSpPr>
       <p:sp>
         <p:nvSpPr>
-          <p:cNvPr id="2" name="Content Placeholder 1">
-            <a:extLst>
-              <a:ext uri="{FF2B5EF4-FFF2-40B4-BE49-F238E27FC236}">
-                <a16:creationId xmlns:a16="http://schemas.microsoft.com/office/drawing/2014/main" id="{FFC91B3F-2B59-10FD-CF43-8530E8523417}"/>
+          <p:cNvPr id="3" name="Content Placeholder 2">
+            <a:extLst>
+              <a:ext uri="{FF2B5EF4-FFF2-40B4-BE49-F238E27FC236}">
+                <a16:creationId xmlns:a16="http://schemas.microsoft.com/office/drawing/2014/main" id="{8D0AF91B-4587-C636-2AAC-485759A0912B}"/>
               </a:ext>
             </a:extLst>
           </p:cNvPr>
@@ -19050,112 +18824,77 @@
             <a:spLocks noGrp="1"/>
           </p:cNvSpPr>
           <p:nvPr>
-            <p:ph idx="10"/>
+            <p:ph sz="half" idx="1"/>
           </p:nvPr>
         </p:nvSpPr>
         <p:spPr>
           <a:xfrm>
-            <a:off x="838200" y="1882740"/>
-            <a:ext cx="10515600" cy="3994077"/>
+            <a:off x="838199" y="1882741"/>
+            <a:ext cx="3425575" cy="3737223"/>
           </a:xfrm>
         </p:spPr>
         <p:txBody>
           <a:bodyPr>
-            <a:normAutofit lnSpcReduction="10000"/>
+            <a:normAutofit/>
           </a:bodyPr>
           <a:lstStyle/>
           <a:p>
-            <a:r>
-              <a:rPr lang="en-US" b="1" dirty="0">
+            <a:pPr marL="0" indent="0">
+              <a:buNone/>
+            </a:pPr>
+            <a:r>
+              <a:rPr lang="en-US" sz="1800" b="1" dirty="0">
                 <a:solidFill>
                   <a:srgbClr val="9C3C9A"/>
                 </a:solidFill>
+                <a:latin typeface="Open Sans ExtraBold" pitchFamily="2" charset="0"/>
+                <a:ea typeface="Open Sans ExtraBold" pitchFamily="2" charset="0"/>
+                <a:cs typeface="Open Sans ExtraBold" pitchFamily="2" charset="0"/>
               </a:rPr>
-              <a:t>Speed</a:t>
-            </a:r>
-            <a:r>
-              <a:rPr lang="en-US" dirty="0">
-                <a:solidFill>
-                  <a:srgbClr val="9C3C9A"/>
-                </a:solidFill>
-              </a:rPr>
-              <a:t>. </a:t>
-            </a:r>
-          </a:p>
-          <a:p>
-            <a:pPr marL="0" indent="0">
-              <a:buNone/>
-            </a:pPr>
-            <a:r>
-              <a:rPr lang="en-US" sz="2000" dirty="0"/>
-              <a:t>Top models are currently too slow to process documents. Best results achieved with Google Gemini 2.5 Flash, about 2 minutes per 5-page invoice</a:t>
-            </a:r>
-          </a:p>
-          <a:p>
-            <a:r>
-              <a:rPr lang="en-US" b="1" dirty="0">
-                <a:solidFill>
-                  <a:srgbClr val="9C3C9A"/>
-                </a:solidFill>
-              </a:rPr>
-              <a:t>Accuracy</a:t>
-            </a:r>
-          </a:p>
-          <a:p>
-            <a:pPr marL="0" indent="0">
-              <a:buNone/>
-            </a:pPr>
-            <a:r>
-              <a:rPr lang="en-US" sz="2000" dirty="0"/>
-              <a:t>Models may work perfectly on small files, but start producing wrong results on large datasets. Very sensitive to prompt structure</a:t>
-            </a:r>
-          </a:p>
-          <a:p>
-            <a:r>
-              <a:rPr lang="en-US" b="1" dirty="0">
-                <a:solidFill>
-                  <a:srgbClr val="9C3C9A"/>
-                </a:solidFill>
-              </a:rPr>
-              <a:t>Results Validation</a:t>
-            </a:r>
-          </a:p>
-          <a:p>
-            <a:pPr marL="0" indent="0">
-              <a:buNone/>
-            </a:pPr>
-            <a:r>
-              <a:rPr lang="en-US" sz="2000" dirty="0"/>
-              <a:t>Need to build automatic result validation from the start</a:t>
-            </a:r>
-          </a:p>
-          <a:p>
-            <a:r>
-              <a:rPr lang="en-US" b="1" dirty="0">
-                <a:solidFill>
-                  <a:srgbClr val="9C3C9A"/>
-                </a:solidFill>
-              </a:rPr>
-              <a:t>Price</a:t>
-            </a:r>
-          </a:p>
-          <a:p>
-            <a:pPr marL="0" indent="0">
-              <a:buNone/>
-            </a:pPr>
-            <a:r>
-              <a:rPr lang="en-US" sz="2000" dirty="0"/>
-              <a:t>5-page document is about 10k-15k tokens, so ~1 cent per document </a:t>
-            </a:r>
-          </a:p>
-        </p:txBody>
-      </p:sp>
-      <p:sp>
-        <p:nvSpPr>
-          <p:cNvPr id="5" name="Title 4">
-            <a:extLst>
-              <a:ext uri="{FF2B5EF4-FFF2-40B4-BE49-F238E27FC236}">
-                <a16:creationId xmlns:a16="http://schemas.microsoft.com/office/drawing/2014/main" id="{94C507B1-59E6-EBB4-785B-B7C44D4EDFA4}"/>
+              <a:t>vs. DMF (Data Management Framework)</a:t>
+            </a:r>
+          </a:p>
+          <a:p>
+            <a:endParaRPr lang="en-US" sz="800" b="1" dirty="0"/>
+          </a:p>
+          <a:p>
+            <a:r>
+              <a:rPr lang="en-US" sz="1800" dirty="0"/>
+              <a:t>Support custom transactions</a:t>
+            </a:r>
+          </a:p>
+          <a:p>
+            <a:r>
+              <a:rPr lang="en-US" sz="1800" dirty="0"/>
+              <a:t>Easily link a Document to the Original file </a:t>
+            </a:r>
+          </a:p>
+          <a:p>
+            <a:r>
+              <a:rPr lang="en-US" sz="1800" dirty="0"/>
+              <a:t>Custom Business logic, not linked to data entity</a:t>
+            </a:r>
+          </a:p>
+          <a:p>
+            <a:r>
+              <a:rPr lang="en-US" sz="1800" dirty="0"/>
+              <a:t>Native X++ code - no external dependencies</a:t>
+            </a:r>
+          </a:p>
+          <a:p>
+            <a:r>
+              <a:rPr lang="en-US" sz="1800" dirty="0"/>
+              <a:t>A standard approach to error types and how to handle them</a:t>
+            </a:r>
+          </a:p>
+        </p:txBody>
+      </p:sp>
+      <p:sp>
+        <p:nvSpPr>
+          <p:cNvPr id="4" name="Title 3">
+            <a:extLst>
+              <a:ext uri="{FF2B5EF4-FFF2-40B4-BE49-F238E27FC236}">
+                <a16:creationId xmlns:a16="http://schemas.microsoft.com/office/drawing/2014/main" id="{AE3D4688-AE1B-3813-DB78-0D8439392B65}"/>
               </a:ext>
             </a:extLst>
           </p:cNvPr>
@@ -19168,20 +18907,243 @@
         </p:nvSpPr>
         <p:spPr/>
         <p:txBody>
-          <a:bodyPr/>
+          <a:bodyPr>
+            <a:normAutofit/>
+          </a:bodyPr>
           <a:lstStyle/>
           <a:p>
             <a:r>
-              <a:rPr lang="en-US" dirty="0"/>
-              <a:t>AI usage challenges</a:t>
-            </a:r>
+              <a:rPr lang="en-US" sz="3600" dirty="0"/>
+              <a:t>Advantages Over Standard Microsoft Tools</a:t>
+            </a:r>
+          </a:p>
+        </p:txBody>
+      </p:sp>
+      <p:sp>
+        <p:nvSpPr>
+          <p:cNvPr id="5" name="Content Placeholder 4">
+            <a:extLst>
+              <a:ext uri="{FF2B5EF4-FFF2-40B4-BE49-F238E27FC236}">
+                <a16:creationId xmlns:a16="http://schemas.microsoft.com/office/drawing/2014/main" id="{3696C1DB-7794-8779-74DE-555C1EA19FF7}"/>
+              </a:ext>
+            </a:extLst>
+          </p:cNvPr>
+          <p:cNvSpPr>
+            <a:spLocks noGrp="1"/>
+          </p:cNvSpPr>
+          <p:nvPr>
+            <p:ph sz="half" idx="11"/>
+          </p:nvPr>
+        </p:nvSpPr>
+        <p:spPr>
+          <a:xfrm>
+            <a:off x="4457699" y="1891706"/>
+            <a:ext cx="3425575" cy="3737223"/>
+          </a:xfrm>
+        </p:spPr>
+        <p:txBody>
+          <a:bodyPr>
+            <a:normAutofit lnSpcReduction="10000"/>
+          </a:bodyPr>
+          <a:lstStyle/>
+          <a:p>
+            <a:pPr marL="0" indent="0">
+              <a:buNone/>
+            </a:pPr>
+            <a:r>
+              <a:rPr lang="en-US" sz="1800" b="1" dirty="0">
+                <a:solidFill>
+                  <a:srgbClr val="9C3C9A"/>
+                </a:solidFill>
+                <a:latin typeface="Open Sans ExtraBold" pitchFamily="2" charset="0"/>
+                <a:ea typeface="Open Sans ExtraBold" pitchFamily="2" charset="0"/>
+                <a:cs typeface="Open Sans ExtraBold" pitchFamily="2" charset="0"/>
+              </a:rPr>
+              <a:t>vs. Business Events</a:t>
+            </a:r>
+          </a:p>
+          <a:p>
+            <a:endParaRPr lang="en-US" sz="1800" b="1" dirty="0"/>
+          </a:p>
+          <a:p>
+            <a:r>
+              <a:rPr lang="en-AU" sz="1800" dirty="0"/>
+              <a:t>Data creation timing: document created at the time of export, not at the time of the event  </a:t>
+            </a:r>
+          </a:p>
+          <a:p>
+            <a:r>
+              <a:rPr lang="en-US" sz="1800" dirty="0"/>
+              <a:t>Event Frequency and Uniqueness: Messages are unique per document and do not duplicated</a:t>
+            </a:r>
+          </a:p>
+          <a:p>
+            <a:r>
+              <a:rPr lang="en-AU" sz="1800" dirty="0"/>
+              <a:t>Response Processing: Can process response</a:t>
+            </a:r>
+          </a:p>
+          <a:p>
+            <a:r>
+              <a:rPr lang="en-US" sz="1800" dirty="0"/>
+              <a:t>Full logs (BE doesn’t support success logs)</a:t>
+            </a:r>
+          </a:p>
+          <a:p>
+            <a:endParaRPr lang="en-AU" sz="1800" b="1" dirty="0"/>
+          </a:p>
+          <a:p>
+            <a:endParaRPr lang="en-US" sz="1800" b="1" dirty="0"/>
+          </a:p>
+        </p:txBody>
+      </p:sp>
+      <p:sp>
+        <p:nvSpPr>
+          <p:cNvPr id="6" name="Content Placeholder 5">
+            <a:extLst>
+              <a:ext uri="{FF2B5EF4-FFF2-40B4-BE49-F238E27FC236}">
+                <a16:creationId xmlns:a16="http://schemas.microsoft.com/office/drawing/2014/main" id="{8324738C-070C-0E8D-AC5B-53686FBB420A}"/>
+              </a:ext>
+            </a:extLst>
+          </p:cNvPr>
+          <p:cNvSpPr>
+            <a:spLocks noGrp="1"/>
+          </p:cNvSpPr>
+          <p:nvPr>
+            <p:ph sz="half" idx="12"/>
+          </p:nvPr>
+        </p:nvSpPr>
+        <p:spPr>
+          <a:xfrm>
+            <a:off x="8072719" y="1891706"/>
+            <a:ext cx="3276600" cy="3923467"/>
+          </a:xfrm>
+        </p:spPr>
+        <p:txBody>
+          <a:bodyPr>
+            <a:normAutofit/>
+          </a:bodyPr>
+          <a:lstStyle/>
+          <a:p>
+            <a:pPr marL="0" indent="0">
+              <a:lnSpc>
+                <a:spcPct val="80000"/>
+              </a:lnSpc>
+              <a:buNone/>
+            </a:pPr>
+            <a:r>
+              <a:rPr lang="en-US" sz="1800" b="1" dirty="0">
+                <a:solidFill>
+                  <a:srgbClr val="9C3C9A"/>
+                </a:solidFill>
+                <a:latin typeface="Open Sans ExtraBold" pitchFamily="2" charset="0"/>
+                <a:ea typeface="Open Sans ExtraBold" pitchFamily="2" charset="0"/>
+                <a:cs typeface="Open Sans ExtraBold" pitchFamily="2" charset="0"/>
+              </a:rPr>
+              <a:t>vs. Message Processor</a:t>
+            </a:r>
+          </a:p>
+          <a:p>
+            <a:pPr marL="0" indent="0">
+              <a:lnSpc>
+                <a:spcPct val="80000"/>
+              </a:lnSpc>
+              <a:buNone/>
+            </a:pPr>
+            <a:endParaRPr lang="en-US" sz="1700" b="1" dirty="0">
+              <a:solidFill>
+                <a:srgbClr val="9C3C9A"/>
+              </a:solidFill>
+              <a:latin typeface="Open Sans ExtraBold" pitchFamily="2" charset="0"/>
+              <a:ea typeface="Open Sans ExtraBold" pitchFamily="2" charset="0"/>
+              <a:cs typeface="Open Sans ExtraBold" pitchFamily="2" charset="0"/>
+            </a:endParaRPr>
+          </a:p>
+          <a:p>
+            <a:pPr>
+              <a:lnSpc>
+                <a:spcPct val="80000"/>
+              </a:lnSpc>
+            </a:pPr>
+            <a:r>
+              <a:rPr lang="en-AU" sz="1900" dirty="0"/>
+              <a:t>Enhanced Logging</a:t>
+            </a:r>
+          </a:p>
+          <a:p>
+            <a:pPr>
+              <a:lnSpc>
+                <a:spcPct val="80000"/>
+              </a:lnSpc>
+            </a:pPr>
+            <a:r>
+              <a:rPr lang="en-AU" sz="1900" dirty="0"/>
+              <a:t>Tracing</a:t>
+            </a:r>
+          </a:p>
+          <a:p>
+            <a:pPr>
+              <a:lnSpc>
+                <a:spcPct val="80000"/>
+              </a:lnSpc>
+            </a:pPr>
+            <a:r>
+              <a:rPr lang="en-AU" sz="1900" dirty="0"/>
+              <a:t>Manual message processing </a:t>
+            </a:r>
+          </a:p>
+          <a:p>
+            <a:pPr>
+              <a:lnSpc>
+                <a:spcPct val="80000"/>
+              </a:lnSpc>
+            </a:pPr>
+            <a:r>
+              <a:rPr lang="en-AU" sz="1900" dirty="0"/>
+              <a:t>Can be run in </a:t>
+            </a:r>
+            <a:r>
+              <a:rPr lang="en-AU" sz="1900" dirty="0" err="1"/>
+              <a:t>ttsbegin-ttsabort</a:t>
+            </a:r>
+            <a:r>
+              <a:rPr lang="en-AU" sz="1900" dirty="0"/>
+              <a:t> block for testing scenario</a:t>
+            </a:r>
+          </a:p>
+          <a:p>
+            <a:pPr>
+              <a:lnSpc>
+                <a:spcPct val="80000"/>
+              </a:lnSpc>
+            </a:pPr>
+            <a:r>
+              <a:rPr lang="en-AU" sz="1900" dirty="0"/>
+              <a:t>Processing and format flexibility</a:t>
+            </a:r>
+          </a:p>
+          <a:p>
+            <a:pPr marL="0" indent="0">
+              <a:lnSpc>
+                <a:spcPct val="80000"/>
+              </a:lnSpc>
+              <a:buNone/>
+            </a:pPr>
+            <a:endParaRPr lang="en-US" sz="1700" b="1" dirty="0">
+              <a:solidFill>
+                <a:srgbClr val="9C3C9A"/>
+              </a:solidFill>
+              <a:latin typeface="Open Sans ExtraBold" pitchFamily="2" charset="0"/>
+              <a:ea typeface="Open Sans ExtraBold" pitchFamily="2" charset="0"/>
+              <a:cs typeface="Open Sans ExtraBold" pitchFamily="2" charset="0"/>
+            </a:endParaRPr>
           </a:p>
         </p:txBody>
       </p:sp>
     </p:spTree>
     <p:extLst>
       <p:ext uri="{BB962C8B-B14F-4D97-AF65-F5344CB8AC3E}">
-        <p14:creationId xmlns:p14="http://schemas.microsoft.com/office/powerpoint/2010/main" val="2469392671"/>
+        <p14:creationId xmlns:p14="http://schemas.microsoft.com/office/powerpoint/2010/main" val="1027028540"/>
       </p:ext>
     </p:extLst>
   </p:cSld>
@@ -19192,94 +19154,6 @@
 </file>
 
 <file path=ppt/slides/slide6.xml><?xml version="1.0" encoding="utf-8"?>
-<p:sld xmlns:a="http://schemas.openxmlformats.org/drawingml/2006/main" xmlns:r="http://schemas.openxmlformats.org/officeDocument/2006/relationships" xmlns:p="http://schemas.openxmlformats.org/presentationml/2006/main">
-  <p:cSld>
-    <p:spTree>
-      <p:nvGrpSpPr>
-        <p:cNvPr id="1" name=""/>
-        <p:cNvGrpSpPr/>
-        <p:nvPr/>
-      </p:nvGrpSpPr>
-      <p:grpSpPr>
-        <a:xfrm>
-          <a:off x="0" y="0"/>
-          <a:ext cx="0" cy="0"/>
-          <a:chOff x="0" y="0"/>
-          <a:chExt cx="0" cy="0"/>
-        </a:xfrm>
-      </p:grpSpPr>
-      <p:sp>
-        <p:nvSpPr>
-          <p:cNvPr id="2" name="Title 1">
-            <a:extLst>
-              <a:ext uri="{FF2B5EF4-FFF2-40B4-BE49-F238E27FC236}">
-                <a16:creationId xmlns:a16="http://schemas.microsoft.com/office/drawing/2014/main" id="{6F19ED09-45B8-A2F9-6DD5-EE9A02F3C647}"/>
-              </a:ext>
-            </a:extLst>
-          </p:cNvPr>
-          <p:cNvSpPr>
-            <a:spLocks noGrp="1"/>
-          </p:cNvSpPr>
-          <p:nvPr>
-            <p:ph type="title"/>
-          </p:nvPr>
-        </p:nvSpPr>
-        <p:spPr/>
-        <p:txBody>
-          <a:bodyPr/>
-          <a:lstStyle/>
-          <a:p>
-            <a:r>
-              <a:rPr lang="en-US" dirty="0"/>
-              <a:t>AI Processing Workflow</a:t>
-            </a:r>
-          </a:p>
-        </p:txBody>
-      </p:sp>
-      <p:pic>
-        <p:nvPicPr>
-          <p:cNvPr id="6" name="Picture 5">
-            <a:extLst>
-              <a:ext uri="{FF2B5EF4-FFF2-40B4-BE49-F238E27FC236}">
-                <a16:creationId xmlns:a16="http://schemas.microsoft.com/office/drawing/2014/main" id="{C1E96EF4-975E-72A7-3839-7522ED619165}"/>
-              </a:ext>
-            </a:extLst>
-          </p:cNvPr>
-          <p:cNvPicPr>
-            <a:picLocks noChangeAspect="1"/>
-          </p:cNvPicPr>
-          <p:nvPr/>
-        </p:nvPicPr>
-        <p:blipFill>
-          <a:blip r:embed="rId2"/>
-          <a:stretch>
-            <a:fillRect/>
-          </a:stretch>
-        </p:blipFill>
-        <p:spPr>
-          <a:xfrm>
-            <a:off x="1138511" y="1814935"/>
-            <a:ext cx="9166470" cy="4410178"/>
-          </a:xfrm>
-          <a:prstGeom prst="rect">
-            <a:avLst/>
-          </a:prstGeom>
-        </p:spPr>
-      </p:pic>
-    </p:spTree>
-    <p:extLst>
-      <p:ext uri="{BB962C8B-B14F-4D97-AF65-F5344CB8AC3E}">
-        <p14:creationId xmlns:p14="http://schemas.microsoft.com/office/powerpoint/2010/main" val="618006151"/>
-      </p:ext>
-    </p:extLst>
-  </p:cSld>
-  <p:clrMapOvr>
-    <a:masterClrMapping/>
-  </p:clrMapOvr>
-</p:sld>
-</file>
-
-<file path=ppt/slides/slide7.xml><?xml version="1.0" encoding="utf-8"?>
 <p:sld xmlns:a="http://schemas.openxmlformats.org/drawingml/2006/main" xmlns:r="http://schemas.openxmlformats.org/officeDocument/2006/relationships" xmlns:p="http://schemas.openxmlformats.org/presentationml/2006/main">
   <p:cSld>
     <p:spTree>
@@ -19405,7 +19279,7 @@
 </p:sld>
 </file>
 
-<file path=ppt/slides/slide8.xml><?xml version="1.0" encoding="utf-8"?>
+<file path=ppt/slides/slide7.xml><?xml version="1.0" encoding="utf-8"?>
 <p:sld xmlns:a="http://schemas.openxmlformats.org/drawingml/2006/main" xmlns:r="http://schemas.openxmlformats.org/officeDocument/2006/relationships" xmlns:p="http://schemas.openxmlformats.org/presentationml/2006/main">
   <p:cSld>
     <p:spTree>
@@ -19531,7 +19405,7 @@
 </p:sld>
 </file>
 
-<file path=ppt/slides/slide9.xml><?xml version="1.0" encoding="utf-8"?>
+<file path=ppt/slides/slide8.xml><?xml version="1.0" encoding="utf-8"?>
 <p:sld xmlns:a="http://schemas.openxmlformats.org/drawingml/2006/main" xmlns:r="http://schemas.openxmlformats.org/officeDocument/2006/relationships" xmlns:p="http://schemas.openxmlformats.org/presentationml/2006/main">
   <p:cSld>
     <p:spTree>
@@ -19648,6 +19522,132 @@
     <p:extLst>
       <p:ext uri="{BB962C8B-B14F-4D97-AF65-F5344CB8AC3E}">
         <p14:creationId xmlns:p14="http://schemas.microsoft.com/office/powerpoint/2010/main" val="1641920309"/>
+      </p:ext>
+    </p:extLst>
+  </p:cSld>
+  <p:clrMapOvr>
+    <a:masterClrMapping/>
+  </p:clrMapOvr>
+</p:sld>
+</file>
+
+<file path=ppt/slides/slide9.xml><?xml version="1.0" encoding="utf-8"?>
+<p:sld xmlns:a="http://schemas.openxmlformats.org/drawingml/2006/main" xmlns:r="http://schemas.openxmlformats.org/officeDocument/2006/relationships" xmlns:p="http://schemas.openxmlformats.org/presentationml/2006/main">
+  <p:cSld>
+    <p:spTree>
+      <p:nvGrpSpPr>
+        <p:cNvPr id="1" name="">
+          <a:extLst>
+            <a:ext uri="{FF2B5EF4-FFF2-40B4-BE49-F238E27FC236}">
+              <a16:creationId xmlns:a16="http://schemas.microsoft.com/office/drawing/2014/main" id="{AC22E546-9D52-AD1A-7215-8EAFF0473C95}"/>
+            </a:ext>
+          </a:extLst>
+        </p:cNvPr>
+        <p:cNvGrpSpPr/>
+        <p:nvPr/>
+      </p:nvGrpSpPr>
+      <p:grpSpPr>
+        <a:xfrm>
+          <a:off x="0" y="0"/>
+          <a:ext cx="0" cy="0"/>
+          <a:chOff x="0" y="0"/>
+          <a:chExt cx="0" cy="0"/>
+        </a:xfrm>
+      </p:grpSpPr>
+      <p:sp>
+        <p:nvSpPr>
+          <p:cNvPr id="2" name="Title 1">
+            <a:extLst>
+              <a:ext uri="{FF2B5EF4-FFF2-40B4-BE49-F238E27FC236}">
+                <a16:creationId xmlns:a16="http://schemas.microsoft.com/office/drawing/2014/main" id="{466D66A2-C2BA-FA6B-6756-F0D3AA2E527F}"/>
+              </a:ext>
+            </a:extLst>
+          </p:cNvPr>
+          <p:cNvSpPr>
+            <a:spLocks noGrp="1"/>
+          </p:cNvSpPr>
+          <p:nvPr>
+            <p:ph type="title"/>
+          </p:nvPr>
+        </p:nvSpPr>
+        <p:spPr/>
+        <p:txBody>
+          <a:bodyPr>
+            <a:normAutofit fontScale="90000"/>
+          </a:bodyPr>
+          <a:lstStyle/>
+          <a:p>
+            <a:r>
+              <a:rPr lang="en-US" dirty="0"/>
+              <a:t>4.Validate and process results</a:t>
+            </a:r>
+          </a:p>
+        </p:txBody>
+      </p:sp>
+      <p:pic>
+        <p:nvPicPr>
+          <p:cNvPr id="5" name="Picture 4" descr="A screenshot of a computer&#10;&#10;AI-generated content may be incorrect.">
+            <a:extLst>
+              <a:ext uri="{FF2B5EF4-FFF2-40B4-BE49-F238E27FC236}">
+                <a16:creationId xmlns:a16="http://schemas.microsoft.com/office/drawing/2014/main" id="{8645D879-38A0-63A7-0B01-C232B9E91583}"/>
+              </a:ext>
+            </a:extLst>
+          </p:cNvPr>
+          <p:cNvPicPr>
+            <a:picLocks noChangeAspect="1"/>
+          </p:cNvPicPr>
+          <p:nvPr/>
+        </p:nvPicPr>
+        <p:blipFill>
+          <a:blip r:embed="rId2"/>
+          <a:stretch>
+            <a:fillRect/>
+          </a:stretch>
+        </p:blipFill>
+        <p:spPr>
+          <a:xfrm>
+            <a:off x="838200" y="1568352"/>
+            <a:ext cx="6741160" cy="4561143"/>
+          </a:xfrm>
+          <a:prstGeom prst="rect">
+            <a:avLst/>
+          </a:prstGeom>
+        </p:spPr>
+      </p:pic>
+      <p:pic>
+        <p:nvPicPr>
+          <p:cNvPr id="8" name="Picture 7" descr="A screenshot of a computer&#10;&#10;AI-generated content may be incorrect.">
+            <a:extLst>
+              <a:ext uri="{FF2B5EF4-FFF2-40B4-BE49-F238E27FC236}">
+                <a16:creationId xmlns:a16="http://schemas.microsoft.com/office/drawing/2014/main" id="{22BBACF7-EF67-677B-8AEC-13186636D1A6}"/>
+              </a:ext>
+            </a:extLst>
+          </p:cNvPr>
+          <p:cNvPicPr>
+            <a:picLocks noChangeAspect="1"/>
+          </p:cNvPicPr>
+          <p:nvPr/>
+        </p:nvPicPr>
+        <p:blipFill>
+          <a:blip r:embed="rId3"/>
+          <a:stretch>
+            <a:fillRect/>
+          </a:stretch>
+        </p:blipFill>
+        <p:spPr>
+          <a:xfrm>
+            <a:off x="7579360" y="2615017"/>
+            <a:ext cx="4128935" cy="2266350"/>
+          </a:xfrm>
+          <a:prstGeom prst="rect">
+            <a:avLst/>
+          </a:prstGeom>
+        </p:spPr>
+      </p:pic>
+    </p:spTree>
+    <p:extLst>
+      <p:ext uri="{BB962C8B-B14F-4D97-AF65-F5344CB8AC3E}">
+        <p14:creationId xmlns:p14="http://schemas.microsoft.com/office/powerpoint/2010/main" val="2966113262"/>
       </p:ext>
     </p:extLst>
   </p:cSld>
